--- a/Project-Final Presentation-CS4267-Parker Smith.pptx
+++ b/Project-Final Presentation-CS4267-Parker Smith.pptx
@@ -4861,7 +4861,15 @@
             </a:r>
             <a:r>
               <a:rPr lang="en-US" dirty="0"/>
-              <a:t>, and Varun Naya [2].</a:t>
+              <a:t>, and Varun Naya [2]. </a:t>
+            </a:r>
+            <a:r>
+              <a:rPr lang="en-US" dirty="0">
+                <a:highlight>
+                  <a:srgbClr val="FFFF00"/>
+                </a:highlight>
+              </a:rPr>
+              <a:t>MORE INFO ABOUT WHY THE BASELINE IS BAD</a:t>
             </a:r>
           </a:p>
           <a:p>
@@ -4952,9 +4960,16 @@
             <p:ph type="title"/>
           </p:nvPr>
         </p:nvSpPr>
-        <p:spPr/>
-        <p:txBody>
-          <a:bodyPr/>
+        <p:spPr>
+          <a:xfrm>
+            <a:off x="1097280" y="286603"/>
+            <a:ext cx="10058400" cy="1450757"/>
+          </a:xfrm>
+        </p:spPr>
+        <p:txBody>
+          <a:bodyPr anchor="b">
+            <a:normAutofit/>
+          </a:bodyPr>
           <a:lstStyle/>
           <a:p>
             <a:r>
@@ -4977,49 +4992,75 @@
             <a:spLocks noGrp="1"/>
           </p:cNvSpPr>
           <p:nvPr>
-            <p:ph idx="1"/>
-          </p:nvPr>
-        </p:nvSpPr>
-        <p:spPr/>
-        <p:txBody>
-          <a:bodyPr/>
-          <a:lstStyle/>
-          <a:p>
+            <p:ph sz="half" idx="1"/>
+          </p:nvPr>
+        </p:nvSpPr>
+        <p:spPr>
+          <a:xfrm>
+            <a:off x="1097280" y="2120900"/>
+            <a:ext cx="4639736" cy="3748193"/>
+          </a:xfrm>
+        </p:spPr>
+        <p:txBody>
+          <a:bodyPr>
+            <a:normAutofit/>
+          </a:bodyPr>
+          <a:lstStyle/>
+          <a:p>
+            <a:pPr>
+              <a:lnSpc>
+                <a:spcPct val="100000"/>
+              </a:lnSpc>
+            </a:pPr>
             <a:r>
               <a:rPr lang="en-US" dirty="0"/>
-              <a:t>The dataset chosen for this project from Kaggle included X factors: X, X, and X.</a:t>
-            </a:r>
-          </a:p>
-          <a:p>
+              <a:t>The dataset chosen for this project from Kaggle included 4 continuous factors and 12 categorical factors, the most important include the vehicle’s year, make, body style, transmission, condition, odometer reading, and selling price.</a:t>
+            </a:r>
+          </a:p>
+          <a:p>
+            <a:pPr>
+              <a:lnSpc>
+                <a:spcPct val="100000"/>
+              </a:lnSpc>
+            </a:pPr>
             <a:r>
               <a:rPr lang="en-US" dirty="0"/>
-              <a:t>Once the dataset was selected, I had to preprocess the data to remove outliers and clean up unnecessary factors. The frequency of the data, after preprocessing, is shown in the image [below/to the right/</a:t>
-            </a:r>
-            <a:r>
-              <a:rPr lang="en-US" dirty="0" err="1"/>
-              <a:t>etc</a:t>
-            </a:r>
-            <a:r>
-              <a:rPr lang="en-US" dirty="0"/>
-              <a:t>].</a:t>
-            </a:r>
-          </a:p>
-          <a:p>
-            <a:r>
-              <a:rPr lang="en-US" dirty="0"/>
-              <a:t>Talk about </a:t>
-            </a:r>
-            <a:r>
-              <a:rPr lang="en-US" dirty="0" err="1"/>
-              <a:t>OneHotEncoding</a:t>
-            </a:r>
-            <a:r>
-              <a:rPr lang="en-US" dirty="0"/>
-              <a:t>.</a:t>
-            </a:r>
-          </a:p>
-        </p:txBody>
-      </p:sp>
+              <a:t>Once the dataset was selected, I had to preprocess the data to remove outliers and clean up unnecessary factors.</a:t>
+            </a:r>
+          </a:p>
+        </p:txBody>
+      </p:sp>
+      <p:pic>
+        <p:nvPicPr>
+          <p:cNvPr id="5" name="Picture 4" descr="Chart, histogram&#10;&#10;Description automatically generated">
+            <a:extLst>
+              <a:ext uri="{FF2B5EF4-FFF2-40B4-BE49-F238E27FC236}">
+                <a16:creationId xmlns:a16="http://schemas.microsoft.com/office/drawing/2014/main" id="{D4F322BD-B9C0-48EE-B8BE-8380B4648D29}"/>
+              </a:ext>
+            </a:extLst>
+          </p:cNvPr>
+          <p:cNvPicPr>
+            <a:picLocks noChangeAspect="1"/>
+          </p:cNvPicPr>
+          <p:nvPr/>
+        </p:nvPicPr>
+        <p:blipFill>
+          <a:blip r:embed="rId2"/>
+          <a:stretch>
+            <a:fillRect/>
+          </a:stretch>
+        </p:blipFill>
+        <p:spPr>
+          <a:xfrm>
+            <a:off x="6515944" y="2255096"/>
+            <a:ext cx="4639736" cy="3479802"/>
+          </a:xfrm>
+          <a:prstGeom prst="rect">
+            <a:avLst/>
+          </a:prstGeom>
+          <a:noFill/>
+        </p:spPr>
+      </p:pic>
     </p:spTree>
     <p:extLst>
       <p:ext uri="{BB962C8B-B14F-4D97-AF65-F5344CB8AC3E}">
@@ -5066,9 +5107,16 @@
             <p:ph type="title"/>
           </p:nvPr>
         </p:nvSpPr>
-        <p:spPr/>
-        <p:txBody>
-          <a:bodyPr/>
+        <p:spPr>
+          <a:xfrm>
+            <a:off x="1097280" y="286603"/>
+            <a:ext cx="10058400" cy="1450757"/>
+          </a:xfrm>
+        </p:spPr>
+        <p:txBody>
+          <a:bodyPr anchor="b">
+            <a:normAutofit/>
+          </a:bodyPr>
           <a:lstStyle/>
           <a:p>
             <a:r>
@@ -5091,21 +5139,73 @@
             <a:spLocks noGrp="1"/>
           </p:cNvSpPr>
           <p:nvPr>
-            <p:ph idx="1"/>
-          </p:nvPr>
-        </p:nvSpPr>
-        <p:spPr/>
-        <p:txBody>
-          <a:bodyPr/>
+            <p:ph sz="half" idx="1"/>
+          </p:nvPr>
+        </p:nvSpPr>
+        <p:spPr>
+          <a:xfrm>
+            <a:off x="1097280" y="2120900"/>
+            <a:ext cx="4639736" cy="3748193"/>
+          </a:xfrm>
+        </p:spPr>
+        <p:txBody>
+          <a:bodyPr>
+            <a:normAutofit/>
+          </a:bodyPr>
           <a:lstStyle/>
           <a:p>
             <a:r>
               <a:rPr lang="en-US" dirty="0"/>
-              <a:t>Slide about Linearity with 2 images here.</a:t>
-            </a:r>
-          </a:p>
-        </p:txBody>
-      </p:sp>
+              <a:t>After preprocessing the data, the categorical features were encoded using the </a:t>
+            </a:r>
+            <a:r>
+              <a:rPr lang="en-US" dirty="0" err="1"/>
+              <a:t>OneHotEncoding</a:t>
+            </a:r>
+            <a:r>
+              <a:rPr lang="en-US" dirty="0"/>
+              <a:t> scheme. This translates categories into binary features and overall adds more features to the dataset.</a:t>
+            </a:r>
+          </a:p>
+          <a:p>
+            <a:r>
+              <a:rPr lang="en-US" dirty="0"/>
+              <a:t>Finally, before testing, I determined the linearity of the dataset’s features by comparing several of the continuous features to the sale price.</a:t>
+            </a:r>
+          </a:p>
+        </p:txBody>
+      </p:sp>
+      <p:pic>
+        <p:nvPicPr>
+          <p:cNvPr id="9" name="Picture 8" descr="Chart, bar chart&#10;&#10;Description automatically generated">
+            <a:extLst>
+              <a:ext uri="{FF2B5EF4-FFF2-40B4-BE49-F238E27FC236}">
+                <a16:creationId xmlns:a16="http://schemas.microsoft.com/office/drawing/2014/main" id="{919E047D-B947-461E-A52D-EEC7639A53F8}"/>
+              </a:ext>
+            </a:extLst>
+          </p:cNvPr>
+          <p:cNvPicPr>
+            <a:picLocks noChangeAspect="1"/>
+          </p:cNvPicPr>
+          <p:nvPr/>
+        </p:nvPicPr>
+        <p:blipFill>
+          <a:blip r:embed="rId2"/>
+          <a:stretch>
+            <a:fillRect/>
+          </a:stretch>
+        </p:blipFill>
+        <p:spPr>
+          <a:xfrm>
+            <a:off x="6515944" y="2255096"/>
+            <a:ext cx="4639736" cy="3479802"/>
+          </a:xfrm>
+          <a:prstGeom prst="rect">
+            <a:avLst/>
+          </a:prstGeom>
+          <a:noFill/>
+        </p:spPr>
+      </p:pic>
     </p:spTree>
     <p:extLst>
       <p:ext uri="{BB962C8B-B14F-4D97-AF65-F5344CB8AC3E}">
@@ -5189,8 +5289,31 @@
           <a:p>
             <a:r>
               <a:rPr lang="en-US" dirty="0"/>
-              <a:t>Slide about the Linear Regression model.</a:t>
-            </a:r>
+              <a:t>The first model I chose, due to the high linearity of the data, was a Multiple Linear Regression model.</a:t>
+            </a:r>
+          </a:p>
+          <a:p>
+            <a:r>
+              <a:rPr lang="en-US" dirty="0"/>
+              <a:t>Using 4 continuous features and 8 categorical features, the Linear Regression model ran with a 90% training and 10% testing split on a single epoch.</a:t>
+            </a:r>
+          </a:p>
+          <a:p>
+            <a:r>
+              <a:rPr lang="en-US" dirty="0"/>
+              <a:t>The accuracy of the model is measured using R</a:t>
+            </a:r>
+            <a:r>
+              <a:rPr lang="en-US" baseline="30000" dirty="0"/>
+              <a:t>2</a:t>
+            </a:r>
+            <a:r>
+              <a:rPr lang="en-US" dirty="0"/>
+              <a:t> accuracy, MSE, RMSE, and training time.</a:t>
+            </a:r>
+          </a:p>
+          <a:p>
+            <a:endParaRPr lang="en-US" dirty="0"/>
           </a:p>
         </p:txBody>
       </p:sp>
@@ -5277,7 +5400,39 @@
           <a:p>
             <a:r>
               <a:rPr lang="en-US" dirty="0"/>
-              <a:t>Slide about the SVM model.</a:t>
+              <a:t>The second model I chose, due to its heavy use in machine learning, was a linear SVM model.</a:t>
+            </a:r>
+          </a:p>
+          <a:p>
+            <a:r>
+              <a:rPr lang="en-US" dirty="0"/>
+              <a:t>This model also used 4 continuous features and 8 categorical features like the Linear Regression model. It ran with a 90% training and 10% testing split.</a:t>
+            </a:r>
+          </a:p>
+          <a:p>
+            <a:r>
+              <a:rPr lang="en-US" dirty="0"/>
+              <a:t>The SVM model used a linear kernel to emulate linear regression, the tolerance value for the SVM was set to be .075.</a:t>
+            </a:r>
+          </a:p>
+          <a:p>
+            <a:r>
+              <a:rPr lang="en-US" dirty="0"/>
+              <a:t>Finally, before any data was inputted to the SVM, it had to be standardized to be between -1 and 1.</a:t>
+            </a:r>
+          </a:p>
+          <a:p>
+            <a:r>
+              <a:rPr lang="en-US" dirty="0"/>
+              <a:t>The accuracy of the model is measured using R</a:t>
+            </a:r>
+            <a:r>
+              <a:rPr lang="en-US" baseline="30000" dirty="0"/>
+              <a:t>2</a:t>
+            </a:r>
+            <a:r>
+              <a:rPr lang="en-US" dirty="0"/>
+              <a:t> accuracy, MSE, RMSE, and training time.</a:t>
             </a:r>
           </a:p>
         </p:txBody>

--- a/Project-Final Presentation-CS4267-Parker Smith.pptx
+++ b/Project-Final Presentation-CS4267-Parker Smith.pptx
@@ -8,13 +8,16 @@
     <p:sldId id="257" r:id="rId2"/>
     <p:sldId id="258" r:id="rId3"/>
     <p:sldId id="259" r:id="rId4"/>
-    <p:sldId id="260" r:id="rId5"/>
-    <p:sldId id="261" r:id="rId6"/>
-    <p:sldId id="263" r:id="rId7"/>
-    <p:sldId id="262" r:id="rId8"/>
-    <p:sldId id="264" r:id="rId9"/>
-    <p:sldId id="265" r:id="rId10"/>
-    <p:sldId id="266" r:id="rId11"/>
+    <p:sldId id="261" r:id="rId5"/>
+    <p:sldId id="263" r:id="rId6"/>
+    <p:sldId id="268" r:id="rId7"/>
+    <p:sldId id="269" r:id="rId8"/>
+    <p:sldId id="270" r:id="rId9"/>
+    <p:sldId id="262" r:id="rId10"/>
+    <p:sldId id="271" r:id="rId11"/>
+    <p:sldId id="266" r:id="rId12"/>
+    <p:sldId id="265" r:id="rId13"/>
+    <p:sldId id="267" r:id="rId14"/>
   </p:sldIdLst>
   <p:sldSz cx="12192000" cy="6858000"/>
   <p:notesSz cx="6858000" cy="9144000"/>
@@ -121,354 +124,6 @@
 </p:presentation>
 </file>
 
-<file path=ppt/ink/ink1.xml><?xml version="1.0" encoding="utf-8"?>
-<inkml:ink xmlns:inkml="http://www.w3.org/2003/InkML">
-  <inkml:definitions>
-    <inkml:context xml:id="ctx0">
-      <inkml:inkSource xml:id="inkSrc0">
-        <inkml:traceFormat>
-          <inkml:channel name="X" type="integer" min="-2.14748E9" max="2.14748E9" units="cm"/>
-          <inkml:channel name="Y" type="integer" min="-2.14748E9" max="2.14748E9" units="cm"/>
-        </inkml:traceFormat>
-        <inkml:channelProperties>
-          <inkml:channelProperty channel="X" name="resolution" value="1000" units="1/cm"/>
-          <inkml:channelProperty channel="Y" name="resolution" value="1000" units="1/cm"/>
-        </inkml:channelProperties>
-      </inkml:inkSource>
-      <inkml:timestamp xml:id="ts0" timeString="2022-02-28T22:18:12.487"/>
-    </inkml:context>
-    <inkml:brush xml:id="br0">
-      <inkml:brushProperty name="width" value="0.3" units="cm"/>
-      <inkml:brushProperty name="height" value="0.6" units="cm"/>
-      <inkml:brushProperty name="color" value="#FFFC00"/>
-      <inkml:brushProperty name="tip" value="rectangle"/>
-      <inkml:brushProperty name="rasterOp" value="maskPen"/>
-      <inkml:brushProperty name="ignorePressure" value="1"/>
-    </inkml:brush>
-  </inkml:definitions>
-  <inkml:trace contextRef="#ctx0" brushRef="#br0">0 1,'2566'0,"-2536"2,0 1,0 1,40 12,-41-9,1 0,0-3,41 3,77-9,131 3,-252 3,-1 0,41 13,-44-10,0-2,1 0,-1-1,29 0,663-5,-695 1</inkml:trace>
-</inkml:ink>
-</file>
-
-<file path=ppt/ink/ink10.xml><?xml version="1.0" encoding="utf-8"?>
-<inkml:ink xmlns:inkml="http://www.w3.org/2003/InkML">
-  <inkml:definitions>
-    <inkml:context xml:id="ctx0">
-      <inkml:inkSource xml:id="inkSrc0">
-        <inkml:traceFormat>
-          <inkml:channel name="X" type="integer" min="-2.14748E9" max="2.14748E9" units="cm"/>
-          <inkml:channel name="Y" type="integer" min="-2.14748E9" max="2.14748E9" units="cm"/>
-        </inkml:traceFormat>
-        <inkml:channelProperties>
-          <inkml:channelProperty channel="X" name="resolution" value="1000" units="1/cm"/>
-          <inkml:channelProperty channel="Y" name="resolution" value="1000" units="1/cm"/>
-        </inkml:channelProperties>
-      </inkml:inkSource>
-      <inkml:timestamp xml:id="ts0" timeString="2022-03-01T00:35:02.226"/>
-    </inkml:context>
-    <inkml:brush xml:id="br0">
-      <inkml:brushProperty name="width" value="0.3" units="cm"/>
-      <inkml:brushProperty name="height" value="0.6" units="cm"/>
-      <inkml:brushProperty name="color" value="#FFFC00"/>
-      <inkml:brushProperty name="tip" value="rectangle"/>
-      <inkml:brushProperty name="rasterOp" value="maskPen"/>
-      <inkml:brushProperty name="ignorePressure" value="1"/>
-    </inkml:brush>
-  </inkml:definitions>
-  <inkml:trace contextRef="#ctx0" brushRef="#br0">1 1,'8'0,"0"1,0 1,-1-1,16 6,21 4,47-6,91-6,-59-1,1407 2,-1512-1,-1 0,32-9,-36 7,9-1</inkml:trace>
-</inkml:ink>
-</file>
-
-<file path=ppt/ink/ink11.xml><?xml version="1.0" encoding="utf-8"?>
-<inkml:ink xmlns:inkml="http://www.w3.org/2003/InkML">
-  <inkml:definitions>
-    <inkml:context xml:id="ctx0">
-      <inkml:inkSource xml:id="inkSrc0">
-        <inkml:traceFormat>
-          <inkml:channel name="X" type="integer" min="-2.14748E9" max="2.14748E9" units="cm"/>
-          <inkml:channel name="Y" type="integer" min="-2.14748E9" max="2.14748E9" units="cm"/>
-        </inkml:traceFormat>
-        <inkml:channelProperties>
-          <inkml:channelProperty channel="X" name="resolution" value="1000" units="1/cm"/>
-          <inkml:channelProperty channel="Y" name="resolution" value="1000" units="1/cm"/>
-        </inkml:channelProperties>
-      </inkml:inkSource>
-      <inkml:timestamp xml:id="ts0" timeString="2022-03-01T00:35:04.126"/>
-    </inkml:context>
-    <inkml:brush xml:id="br0">
-      <inkml:brushProperty name="width" value="0.3" units="cm"/>
-      <inkml:brushProperty name="height" value="0.6" units="cm"/>
-      <inkml:brushProperty name="color" value="#FFFC00"/>
-      <inkml:brushProperty name="tip" value="rectangle"/>
-      <inkml:brushProperty name="rasterOp" value="maskPen"/>
-      <inkml:brushProperty name="ignorePressure" value="1"/>
-    </inkml:brush>
-  </inkml:definitions>
-  <inkml:trace contextRef="#ctx0" brushRef="#br0">1 51,'0'-1,"0"0,0 1,1-1,-1 0,0 1,0-1,1 0,-1 1,0-1,1 1,-1-1,1 1,-1-1,1 1,-1-1,1 1,-1-1,1 1,-1-1,1 1,-1 0,1-1,0 1,-1 0,1 0,1-1,21-4,-15 4,45-10,2 3,-1 2,63 1,302 6,-398-1</inkml:trace>
-</inkml:ink>
-</file>
-
-<file path=ppt/ink/ink12.xml><?xml version="1.0" encoding="utf-8"?>
-<inkml:ink xmlns:inkml="http://www.w3.org/2003/InkML">
-  <inkml:definitions>
-    <inkml:context xml:id="ctx0">
-      <inkml:inkSource xml:id="inkSrc0">
-        <inkml:traceFormat>
-          <inkml:channel name="X" type="integer" min="-2.14748E9" max="2.14748E9" units="cm"/>
-          <inkml:channel name="Y" type="integer" min="-2.14748E9" max="2.14748E9" units="cm"/>
-        </inkml:traceFormat>
-        <inkml:channelProperties>
-          <inkml:channelProperty channel="X" name="resolution" value="1000" units="1/cm"/>
-          <inkml:channelProperty channel="Y" name="resolution" value="1000" units="1/cm"/>
-        </inkml:channelProperties>
-      </inkml:inkSource>
-      <inkml:timestamp xml:id="ts0" timeString="2022-03-01T00:35:08.008"/>
-    </inkml:context>
-    <inkml:brush xml:id="br0">
-      <inkml:brushProperty name="width" value="0.3" units="cm"/>
-      <inkml:brushProperty name="height" value="0.6" units="cm"/>
-      <inkml:brushProperty name="color" value="#FFFC00"/>
-      <inkml:brushProperty name="tip" value="rectangle"/>
-      <inkml:brushProperty name="rasterOp" value="maskPen"/>
-      <inkml:brushProperty name="ignorePressure" value="1"/>
-    </inkml:brush>
-  </inkml:definitions>
-  <inkml:trace contextRef="#ctx0" brushRef="#br0">0 3,'176'-2,"188"4,-231 10,46 1,-13-14,80 3,-158 10,-61-7,51 3,-55-8,-2 0</inkml:trace>
-</inkml:ink>
-</file>
-
-<file path=ppt/ink/ink2.xml><?xml version="1.0" encoding="utf-8"?>
-<inkml:ink xmlns:inkml="http://www.w3.org/2003/InkML">
-  <inkml:definitions>
-    <inkml:context xml:id="ctx0">
-      <inkml:inkSource xml:id="inkSrc0">
-        <inkml:traceFormat>
-          <inkml:channel name="X" type="integer" min="-2.14748E9" max="2.14748E9" units="cm"/>
-          <inkml:channel name="Y" type="integer" min="-2.14748E9" max="2.14748E9" units="cm"/>
-        </inkml:traceFormat>
-        <inkml:channelProperties>
-          <inkml:channelProperty channel="X" name="resolution" value="1000" units="1/cm"/>
-          <inkml:channelProperty channel="Y" name="resolution" value="1000" units="1/cm"/>
-        </inkml:channelProperties>
-      </inkml:inkSource>
-      <inkml:timestamp xml:id="ts0" timeString="2022-02-28T22:18:16.186"/>
-    </inkml:context>
-    <inkml:brush xml:id="br0">
-      <inkml:brushProperty name="width" value="0.3" units="cm"/>
-      <inkml:brushProperty name="height" value="0.6" units="cm"/>
-      <inkml:brushProperty name="color" value="#FFFC00"/>
-      <inkml:brushProperty name="tip" value="rectangle"/>
-      <inkml:brushProperty name="rasterOp" value="maskPen"/>
-      <inkml:brushProperty name="ignorePressure" value="1"/>
-    </inkml:brush>
-  </inkml:definitions>
-  <inkml:trace contextRef="#ctx0" brushRef="#br0">0 29,'1'-1,"-1"0,0 0,1 0,-1 0,0 0,1 0,-1 0,1 1,-1-1,1 0,0 0,-1 0,1 1,0-1,0 0,-1 1,1-1,0 1,0-1,0 1,0-1,0 1,0 0,0-1,0 1,-1 0,1 0,2 0,33-5,-30 5,49-4,1 2,-1 3,111 17,-127-13,1-2,64-1,-65-3,1 1,62 10,52 11,-133-16</inkml:trace>
-</inkml:ink>
-</file>
-
-<file path=ppt/ink/ink3.xml><?xml version="1.0" encoding="utf-8"?>
-<inkml:ink xmlns:inkml="http://www.w3.org/2003/InkML">
-  <inkml:definitions>
-    <inkml:context xml:id="ctx0">
-      <inkml:inkSource xml:id="inkSrc0">
-        <inkml:traceFormat>
-          <inkml:channel name="X" type="integer" min="-2.14748E9" max="2.14748E9" units="cm"/>
-          <inkml:channel name="Y" type="integer" min="-2.14748E9" max="2.14748E9" units="cm"/>
-        </inkml:traceFormat>
-        <inkml:channelProperties>
-          <inkml:channelProperty channel="X" name="resolution" value="1000" units="1/cm"/>
-          <inkml:channelProperty channel="Y" name="resolution" value="1000" units="1/cm"/>
-        </inkml:channelProperties>
-      </inkml:inkSource>
-      <inkml:timestamp xml:id="ts0" timeString="2022-02-28T22:18:19.471"/>
-    </inkml:context>
-    <inkml:brush xml:id="br0">
-      <inkml:brushProperty name="width" value="0.3" units="cm"/>
-      <inkml:brushProperty name="height" value="0.6" units="cm"/>
-      <inkml:brushProperty name="color" value="#FFFC00"/>
-      <inkml:brushProperty name="tip" value="rectangle"/>
-      <inkml:brushProperty name="rasterOp" value="maskPen"/>
-      <inkml:brushProperty name="ignorePressure" value="1"/>
-    </inkml:brush>
-  </inkml:definitions>
-  <inkml:trace contextRef="#ctx0" brushRef="#br0">0 75,'7'-7,"-4"4,0-1,0 1,1 0,-1 0,1 0,0 0,-1 1,1-1,1 1,-1 0,0 0,0 1,1-1,8-1,36-6,-16 2,0 2,51-2,2037 8,-2100-1</inkml:trace>
-</inkml:ink>
-</file>
-
-<file path=ppt/ink/ink4.xml><?xml version="1.0" encoding="utf-8"?>
-<inkml:ink xmlns:inkml="http://www.w3.org/2003/InkML">
-  <inkml:definitions>
-    <inkml:context xml:id="ctx0">
-      <inkml:inkSource xml:id="inkSrc0">
-        <inkml:traceFormat>
-          <inkml:channel name="X" type="integer" min="-2.14748E9" max="2.14748E9" units="cm"/>
-          <inkml:channel name="Y" type="integer" min="-2.14748E9" max="2.14748E9" units="cm"/>
-        </inkml:traceFormat>
-        <inkml:channelProperties>
-          <inkml:channelProperty channel="X" name="resolution" value="1000" units="1/cm"/>
-          <inkml:channelProperty channel="Y" name="resolution" value="1000" units="1/cm"/>
-        </inkml:channelProperties>
-      </inkml:inkSource>
-      <inkml:timestamp xml:id="ts0" timeString="2022-02-28T22:19:08.520"/>
-    </inkml:context>
-    <inkml:brush xml:id="br0">
-      <inkml:brushProperty name="width" value="0.3" units="cm"/>
-      <inkml:brushProperty name="height" value="0.6" units="cm"/>
-      <inkml:brushProperty name="color" value="#FFFC00"/>
-      <inkml:brushProperty name="tip" value="rectangle"/>
-      <inkml:brushProperty name="rasterOp" value="maskPen"/>
-      <inkml:brushProperty name="ignorePressure" value="1"/>
-    </inkml:brush>
-  </inkml:definitions>
-  <inkml:trace contextRef="#ctx0" brushRef="#br0">0 0,'31'2,"-1"2,0 0,0 3,-1 0,50 20,-49-16,1-1,0-1,1-2,58 6,-40-9,0 3,58 15,-88-18,27 3,0-2,1-2,77-6,-25 1,499 2,-538-3,106-19,-108 12,115-5,1181 16,-1333-1</inkml:trace>
-</inkml:ink>
-</file>
-
-<file path=ppt/ink/ink5.xml><?xml version="1.0" encoding="utf-8"?>
-<inkml:ink xmlns:inkml="http://www.w3.org/2003/InkML">
-  <inkml:definitions>
-    <inkml:context xml:id="ctx0">
-      <inkml:inkSource xml:id="inkSrc0">
-        <inkml:traceFormat>
-          <inkml:channel name="X" type="integer" min="-2.14748E9" max="2.14748E9" units="cm"/>
-          <inkml:channel name="Y" type="integer" min="-2.14748E9" max="2.14748E9" units="cm"/>
-        </inkml:traceFormat>
-        <inkml:channelProperties>
-          <inkml:channelProperty channel="X" name="resolution" value="1000" units="1/cm"/>
-          <inkml:channelProperty channel="Y" name="resolution" value="1000" units="1/cm"/>
-        </inkml:channelProperties>
-      </inkml:inkSource>
-      <inkml:timestamp xml:id="ts0" timeString="2022-02-28T22:19:10.419"/>
-    </inkml:context>
-    <inkml:brush xml:id="br0">
-      <inkml:brushProperty name="width" value="0.3" units="cm"/>
-      <inkml:brushProperty name="height" value="0.6" units="cm"/>
-      <inkml:brushProperty name="color" value="#FFFC00"/>
-      <inkml:brushProperty name="tip" value="rectangle"/>
-      <inkml:brushProperty name="rasterOp" value="maskPen"/>
-      <inkml:brushProperty name="ignorePressure" value="1"/>
-    </inkml:brush>
-  </inkml:definitions>
-  <inkml:trace contextRef="#ctx0" brushRef="#br0">0 77,'35'-2,"0"-2,0-2,0-1,34-12,-26 8,79-13,162 20,-152 7,40-3,-151 0</inkml:trace>
-</inkml:ink>
-</file>
-
-<file path=ppt/ink/ink6.xml><?xml version="1.0" encoding="utf-8"?>
-<inkml:ink xmlns:inkml="http://www.w3.org/2003/InkML">
-  <inkml:definitions>
-    <inkml:context xml:id="ctx0">
-      <inkml:inkSource xml:id="inkSrc0">
-        <inkml:traceFormat>
-          <inkml:channel name="X" type="integer" min="-2.14748E9" max="2.14748E9" units="cm"/>
-          <inkml:channel name="Y" type="integer" min="-2.14748E9" max="2.14748E9" units="cm"/>
-        </inkml:traceFormat>
-        <inkml:channelProperties>
-          <inkml:channelProperty channel="X" name="resolution" value="1000" units="1/cm"/>
-          <inkml:channelProperty channel="Y" name="resolution" value="1000" units="1/cm"/>
-        </inkml:channelProperties>
-      </inkml:inkSource>
-      <inkml:timestamp xml:id="ts0" timeString="2022-02-28T22:19:13.084"/>
-    </inkml:context>
-    <inkml:brush xml:id="br0">
-      <inkml:brushProperty name="width" value="0.3" units="cm"/>
-      <inkml:brushProperty name="height" value="0.6" units="cm"/>
-      <inkml:brushProperty name="color" value="#FFFC00"/>
-      <inkml:brushProperty name="tip" value="rectangle"/>
-      <inkml:brushProperty name="rasterOp" value="maskPen"/>
-      <inkml:brushProperty name="ignorePressure" value="1"/>
-    </inkml:brush>
-  </inkml:definitions>
-  <inkml:trace contextRef="#ctx0" brushRef="#br0">1 52,'104'2,"115"-4,-100-20,-12 19,-53 2,88-12,-77 5,1 3,110 6,-65 2,1252-3,-1337 0</inkml:trace>
-</inkml:ink>
-</file>
-
-<file path=ppt/ink/ink7.xml><?xml version="1.0" encoding="utf-8"?>
-<inkml:ink xmlns:inkml="http://www.w3.org/2003/InkML">
-  <inkml:definitions>
-    <inkml:context xml:id="ctx0">
-      <inkml:inkSource xml:id="inkSrc0">
-        <inkml:traceFormat>
-          <inkml:channel name="X" type="integer" min="-2.14748E9" max="2.14748E9" units="cm"/>
-          <inkml:channel name="Y" type="integer" min="-2.14748E9" max="2.14748E9" units="cm"/>
-        </inkml:traceFormat>
-        <inkml:channelProperties>
-          <inkml:channelProperty channel="X" name="resolution" value="1000" units="1/cm"/>
-          <inkml:channelProperty channel="Y" name="resolution" value="1000" units="1/cm"/>
-        </inkml:channelProperties>
-      </inkml:inkSource>
-      <inkml:timestamp xml:id="ts0" timeString="2022-02-28T22:19:19.134"/>
-    </inkml:context>
-    <inkml:brush xml:id="br0">
-      <inkml:brushProperty name="width" value="0.3" units="cm"/>
-      <inkml:brushProperty name="height" value="0.6" units="cm"/>
-      <inkml:brushProperty name="color" value="#FFFC00"/>
-      <inkml:brushProperty name="tip" value="rectangle"/>
-      <inkml:brushProperty name="rasterOp" value="maskPen"/>
-      <inkml:brushProperty name="ignorePressure" value="1"/>
-    </inkml:brush>
-  </inkml:definitions>
-  <inkml:trace contextRef="#ctx0" brushRef="#br0">0 2,'277'-1,"315"3,-553-2,0 2,0 2,0 1,72 21,-84-19,0-1,30 3,27 5,-36-4,-1-2,81 3,99-12,-82-2,1724 3,-1841 2,1 1,-1 1,40 11,-35-7,59 7,80-12,-150-3</inkml:trace>
-</inkml:ink>
-</file>
-
-<file path=ppt/ink/ink8.xml><?xml version="1.0" encoding="utf-8"?>
-<inkml:ink xmlns:inkml="http://www.w3.org/2003/InkML">
-  <inkml:definitions>
-    <inkml:context xml:id="ctx0">
-      <inkml:inkSource xml:id="inkSrc0">
-        <inkml:traceFormat>
-          <inkml:channel name="X" type="integer" min="-2.14748E9" max="2.14748E9" units="cm"/>
-          <inkml:channel name="Y" type="integer" min="-2.14748E9" max="2.14748E9" units="cm"/>
-        </inkml:traceFormat>
-        <inkml:channelProperties>
-          <inkml:channelProperty channel="X" name="resolution" value="1000" units="1/cm"/>
-          <inkml:channelProperty channel="Y" name="resolution" value="1000" units="1/cm"/>
-        </inkml:channelProperties>
-      </inkml:inkSource>
-      <inkml:timestamp xml:id="ts0" timeString="2022-02-28T22:19:21.189"/>
-    </inkml:context>
-    <inkml:brush xml:id="br0">
-      <inkml:brushProperty name="width" value="0.3" units="cm"/>
-      <inkml:brushProperty name="height" value="0.6" units="cm"/>
-      <inkml:brushProperty name="color" value="#FFFC00"/>
-      <inkml:brushProperty name="tip" value="rectangle"/>
-      <inkml:brushProperty name="rasterOp" value="maskPen"/>
-      <inkml:brushProperty name="ignorePressure" value="1"/>
-    </inkml:brush>
-  </inkml:definitions>
-  <inkml:trace contextRef="#ctx0" brushRef="#br0">0 29,'28'-10,"-4"1,22 3,-1 3,91 4,-44 2,401-3,-472 0</inkml:trace>
-</inkml:ink>
-</file>
-
-<file path=ppt/ink/ink9.xml><?xml version="1.0" encoding="utf-8"?>
-<inkml:ink xmlns:inkml="http://www.w3.org/2003/InkML">
-  <inkml:definitions>
-    <inkml:context xml:id="ctx0">
-      <inkml:inkSource xml:id="inkSrc0">
-        <inkml:traceFormat>
-          <inkml:channel name="X" type="integer" min="-2.14748E9" max="2.14748E9" units="cm"/>
-          <inkml:channel name="Y" type="integer" min="-2.14748E9" max="2.14748E9" units="cm"/>
-        </inkml:traceFormat>
-        <inkml:channelProperties>
-          <inkml:channelProperty channel="X" name="resolution" value="1000" units="1/cm"/>
-          <inkml:channelProperty channel="Y" name="resolution" value="1000" units="1/cm"/>
-        </inkml:channelProperties>
-      </inkml:inkSource>
-      <inkml:timestamp xml:id="ts0" timeString="2022-02-28T22:19:23.669"/>
-    </inkml:context>
-    <inkml:brush xml:id="br0">
-      <inkml:brushProperty name="width" value="0.3" units="cm"/>
-      <inkml:brushProperty name="height" value="0.6" units="cm"/>
-      <inkml:brushProperty name="color" value="#FFFC00"/>
-      <inkml:brushProperty name="tip" value="rectangle"/>
-      <inkml:brushProperty name="rasterOp" value="maskPen"/>
-      <inkml:brushProperty name="ignorePressure" value="1"/>
-    </inkml:brush>
-  </inkml:definitions>
-  <inkml:trace contextRef="#ctx0" brushRef="#br0">0 55,'35'-2,"-1"-1,57-13,-19 3,50 0,0 6,127 8,-104 1,650 0,-749 0,68 12,-61-6,211 41,-85-23,-140-16,-23-4</inkml:trace>
-</inkml:ink>
-</file>
-
 <file path=ppt/slideLayouts/slideLayout1.xml><?xml version="1.0" encoding="utf-8"?>
 <p:sldLayout xmlns:a="http://schemas.openxmlformats.org/drawingml/2006/main" xmlns:r="http://schemas.openxmlformats.org/officeDocument/2006/relationships" xmlns:p="http://schemas.openxmlformats.org/presentationml/2006/main" showMasterSp="0" type="title" preserve="1">
   <p:cSld name="Title Slide">
@@ -713,7 +368,7 @@
           <a:p>
             <a:fld id="{9184DA70-C731-4C70-880D-CCD4705E623C}" type="datetime1">
               <a:rPr lang="en-US" smtClean="0"/>
-              <a:t>4/20/2022</a:t>
+              <a:t>4/21/2022</a:t>
             </a:fld>
             <a:endParaRPr lang="en-US" dirty="0"/>
           </a:p>
@@ -901,7 +556,7 @@
           <a:p>
             <a:fld id="{B612A279-0833-481D-8C56-F67FD0AC6C50}" type="datetime1">
               <a:rPr lang="en-US" smtClean="0"/>
-              <a:t>4/20/2022</a:t>
+              <a:t>4/21/2022</a:t>
             </a:fld>
             <a:endParaRPr lang="en-US" dirty="0"/>
           </a:p>
@@ -1143,7 +798,7 @@
           <a:p>
             <a:fld id="{6587DA83-5663-4C9C-B9AA-0B40A3DAFF81}" type="datetime1">
               <a:rPr lang="en-US" smtClean="0"/>
-              <a:t>4/20/2022</a:t>
+              <a:t>4/21/2022</a:t>
             </a:fld>
             <a:endParaRPr lang="en-US" dirty="0"/>
           </a:p>
@@ -1331,7 +986,7 @@
           <a:p>
             <a:fld id="{4BE1D723-8F53-4F53-90B0-1982A396982E}" type="datetime1">
               <a:rPr lang="en-US" smtClean="0"/>
-              <a:t>4/20/2022</a:t>
+              <a:t>4/21/2022</a:t>
             </a:fld>
             <a:endParaRPr lang="en-US" dirty="0"/>
           </a:p>
@@ -1704,7 +1359,7 @@
           <a:p>
             <a:fld id="{97669AF7-7BEB-44E4-9852-375E34362B5B}" type="datetime1">
               <a:rPr lang="en-US" smtClean="0"/>
-              <a:t>4/20/2022</a:t>
+              <a:t>4/21/2022</a:t>
             </a:fld>
             <a:endParaRPr lang="en-US" dirty="0"/>
           </a:p>
@@ -1959,7 +1614,7 @@
           <a:p>
             <a:fld id="{BAAAC38D-0552-4C82-B593-E6124DFADBE2}" type="datetime1">
               <a:rPr lang="en-US" smtClean="0"/>
-              <a:t>4/20/2022</a:t>
+              <a:t>4/21/2022</a:t>
             </a:fld>
             <a:endParaRPr lang="en-US" dirty="0"/>
           </a:p>
@@ -2356,7 +2011,7 @@
           <a:p>
             <a:fld id="{D9DF0F1C-5577-4ACB-BB62-DF8F3C494C7E}" type="datetime1">
               <a:rPr lang="en-US" smtClean="0"/>
-              <a:t>4/20/2022</a:t>
+              <a:t>4/21/2022</a:t>
             </a:fld>
             <a:endParaRPr lang="en-US" dirty="0"/>
           </a:p>
@@ -2492,7 +2147,7 @@
           <a:p>
             <a:fld id="{1775B394-D9F9-4F0C-B15D-605F45CB9E9F}" type="datetime1">
               <a:rPr lang="en-US" smtClean="0"/>
-              <a:t>4/20/2022</a:t>
+              <a:t>4/21/2022</a:t>
             </a:fld>
             <a:endParaRPr lang="en-US" dirty="0"/>
           </a:p>
@@ -2649,7 +2304,7 @@
           <a:p>
             <a:fld id="{39667345-2558-425A-8533-9BFDBCE15005}" type="datetime1">
               <a:rPr lang="en-US" smtClean="0"/>
-              <a:t>4/20/2022</a:t>
+              <a:t>4/21/2022</a:t>
             </a:fld>
             <a:endParaRPr lang="en-US" dirty="0"/>
           </a:p>
@@ -2978,7 +2633,7 @@
           <a:p>
             <a:fld id="{92BEA474-078D-4E9B-9B14-09A87B19DC46}" type="datetime1">
               <a:rPr lang="en-US" smtClean="0"/>
-              <a:t>4/20/2022</a:t>
+              <a:t>4/21/2022</a:t>
             </a:fld>
             <a:endParaRPr lang="en-US" dirty="0"/>
           </a:p>
@@ -3328,7 +2983,7 @@
           <a:p>
             <a:fld id="{4907D986-8816-4272-A432-0437A28A9828}" type="datetime1">
               <a:rPr lang="en-US" smtClean="0"/>
-              <a:t>4/20/2022</a:t>
+              <a:t>4/21/2022</a:t>
             </a:fld>
             <a:endParaRPr lang="en-US" dirty="0"/>
           </a:p>
@@ -3589,7 +3244,7 @@
           <a:p>
             <a:fld id="{62D6E202-B606-4609-B914-27C9371A1F6D}" type="datetime1">
               <a:rPr lang="en-US" smtClean="0"/>
-              <a:t>4/20/2022</a:t>
+              <a:t>4/21/2022</a:t>
             </a:fld>
             <a:endParaRPr lang="en-US" dirty="0"/>
           </a:p>
@@ -4397,6 +4052,89 @@
           <p:cNvPr id="2" name="Title 1">
             <a:extLst>
               <a:ext uri="{FF2B5EF4-FFF2-40B4-BE49-F238E27FC236}">
+                <a16:creationId xmlns:a16="http://schemas.microsoft.com/office/drawing/2014/main" id="{DBCA3876-44B7-49CA-9FEB-927574AFCB44}"/>
+              </a:ext>
+            </a:extLst>
+          </p:cNvPr>
+          <p:cNvSpPr>
+            <a:spLocks noGrp="1"/>
+          </p:cNvSpPr>
+          <p:nvPr>
+            <p:ph type="title"/>
+          </p:nvPr>
+        </p:nvSpPr>
+        <p:spPr/>
+        <p:txBody>
+          <a:bodyPr/>
+          <a:lstStyle/>
+          <a:p>
+            <a:r>
+              <a:rPr lang="en-US" dirty="0"/>
+              <a:t>Results (cont.)</a:t>
+            </a:r>
+          </a:p>
+        </p:txBody>
+      </p:sp>
+      <p:sp>
+        <p:nvSpPr>
+          <p:cNvPr id="4" name="Content Placeholder 3">
+            <a:extLst>
+              <a:ext uri="{FF2B5EF4-FFF2-40B4-BE49-F238E27FC236}">
+                <a16:creationId xmlns:a16="http://schemas.microsoft.com/office/drawing/2014/main" id="{DBB6BB24-F156-4E77-8401-53B6F2DF1989}"/>
+              </a:ext>
+            </a:extLst>
+          </p:cNvPr>
+          <p:cNvSpPr>
+            <a:spLocks noGrp="1"/>
+          </p:cNvSpPr>
+          <p:nvPr>
+            <p:ph idx="1"/>
+          </p:nvPr>
+        </p:nvSpPr>
+        <p:spPr/>
+        <p:txBody>
+          <a:bodyPr/>
+          <a:lstStyle/>
+          <a:p>
+            <a:endParaRPr lang="en-US" dirty="0"/>
+          </a:p>
+        </p:txBody>
+      </p:sp>
+    </p:spTree>
+    <p:extLst>
+      <p:ext uri="{BB962C8B-B14F-4D97-AF65-F5344CB8AC3E}">
+        <p14:creationId xmlns:p14="http://schemas.microsoft.com/office/powerpoint/2010/main" val="3997771693"/>
+      </p:ext>
+    </p:extLst>
+  </p:cSld>
+  <p:clrMapOvr>
+    <a:masterClrMapping/>
+  </p:clrMapOvr>
+</p:sld>
+</file>
+
+<file path=ppt/slides/slide11.xml><?xml version="1.0" encoding="utf-8"?>
+<p:sld xmlns:a="http://schemas.openxmlformats.org/drawingml/2006/main" xmlns:r="http://schemas.openxmlformats.org/officeDocument/2006/relationships" xmlns:p="http://schemas.openxmlformats.org/presentationml/2006/main">
+  <p:cSld>
+    <p:spTree>
+      <p:nvGrpSpPr>
+        <p:cNvPr id="1" name=""/>
+        <p:cNvGrpSpPr/>
+        <p:nvPr/>
+      </p:nvGrpSpPr>
+      <p:grpSpPr>
+        <a:xfrm>
+          <a:off x="0" y="0"/>
+          <a:ext cx="0" cy="0"/>
+          <a:chOff x="0" y="0"/>
+          <a:chExt cx="0" cy="0"/>
+        </a:xfrm>
+      </p:grpSpPr>
+      <p:sp>
+        <p:nvSpPr>
+          <p:cNvPr id="2" name="Title 1">
+            <a:extLst>
+              <a:ext uri="{FF2B5EF4-FFF2-40B4-BE49-F238E27FC236}">
                 <a16:creationId xmlns:a16="http://schemas.microsoft.com/office/drawing/2014/main" id="{DD6AC106-3537-48C0-8DB9-E8F05852698E}"/>
               </a:ext>
             </a:extLst>
@@ -4443,19 +4181,7 @@
           <a:p>
             <a:r>
               <a:rPr lang="en-US" dirty="0"/>
-              <a:t>In conclusion, this project will, with varying degrees of efficiency, determine the price of a used car based solely on a few input features.</a:t>
-            </a:r>
-          </a:p>
-          <a:p>
-            <a:r>
-              <a:rPr lang="en-US" dirty="0"/>
-              <a:t>Due to the linearity of the year-to-price and the milage-to-price data, a Linear Regression model has the quickest training time and turns out to be one of the most accurate models.</a:t>
-            </a:r>
-          </a:p>
-          <a:p>
-            <a:r>
-              <a:rPr lang="en-US" dirty="0"/>
-              <a:t>Finally, as always, more work can be done to further improve efficiency. However, that would come at the time cost of gathering more data and creating a larger, more complex model.</a:t>
+              <a:t>Conclusion from Paper</a:t>
             </a:r>
           </a:p>
         </p:txBody>
@@ -4464,6 +4190,306 @@
     <p:extLst>
       <p:ext uri="{BB962C8B-B14F-4D97-AF65-F5344CB8AC3E}">
         <p14:creationId xmlns:p14="http://schemas.microsoft.com/office/powerpoint/2010/main" val="1657771336"/>
+      </p:ext>
+    </p:extLst>
+  </p:cSld>
+  <p:clrMapOvr>
+    <a:masterClrMapping/>
+  </p:clrMapOvr>
+</p:sld>
+</file>
+
+<file path=ppt/slides/slide12.xml><?xml version="1.0" encoding="utf-8"?>
+<p:sld xmlns:a="http://schemas.openxmlformats.org/drawingml/2006/main" xmlns:r="http://schemas.openxmlformats.org/officeDocument/2006/relationships" xmlns:p="http://schemas.openxmlformats.org/presentationml/2006/main">
+  <p:cSld>
+    <p:spTree>
+      <p:nvGrpSpPr>
+        <p:cNvPr id="1" name=""/>
+        <p:cNvGrpSpPr/>
+        <p:nvPr/>
+      </p:nvGrpSpPr>
+      <p:grpSpPr>
+        <a:xfrm>
+          <a:off x="0" y="0"/>
+          <a:ext cx="0" cy="0"/>
+          <a:chOff x="0" y="0"/>
+          <a:chExt cx="0" cy="0"/>
+        </a:xfrm>
+      </p:grpSpPr>
+      <p:sp>
+        <p:nvSpPr>
+          <p:cNvPr id="2" name="Title 1">
+            <a:extLst>
+              <a:ext uri="{FF2B5EF4-FFF2-40B4-BE49-F238E27FC236}">
+                <a16:creationId xmlns:a16="http://schemas.microsoft.com/office/drawing/2014/main" id="{FA4AB6C3-92BB-4037-AEA9-274E1F236EFD}"/>
+              </a:ext>
+            </a:extLst>
+          </p:cNvPr>
+          <p:cNvSpPr>
+            <a:spLocks noGrp="1"/>
+          </p:cNvSpPr>
+          <p:nvPr>
+            <p:ph type="title"/>
+          </p:nvPr>
+        </p:nvSpPr>
+        <p:spPr/>
+        <p:txBody>
+          <a:bodyPr/>
+          <a:lstStyle/>
+          <a:p>
+            <a:r>
+              <a:rPr lang="en-US" dirty="0"/>
+              <a:t>Future Work</a:t>
+            </a:r>
+          </a:p>
+        </p:txBody>
+      </p:sp>
+      <p:sp>
+        <p:nvSpPr>
+          <p:cNvPr id="3" name="Content Placeholder 2">
+            <a:extLst>
+              <a:ext uri="{FF2B5EF4-FFF2-40B4-BE49-F238E27FC236}">
+                <a16:creationId xmlns:a16="http://schemas.microsoft.com/office/drawing/2014/main" id="{BBC5225E-D4DB-4F10-A8BB-4E92DBA47ABA}"/>
+              </a:ext>
+            </a:extLst>
+          </p:cNvPr>
+          <p:cNvSpPr>
+            <a:spLocks noGrp="1"/>
+          </p:cNvSpPr>
+          <p:nvPr>
+            <p:ph idx="1"/>
+          </p:nvPr>
+        </p:nvSpPr>
+        <p:spPr/>
+        <p:txBody>
+          <a:bodyPr/>
+          <a:lstStyle/>
+          <a:p>
+            <a:r>
+              <a:rPr lang="en-US" dirty="0"/>
+              <a:t>Future Work from paper</a:t>
+            </a:r>
+          </a:p>
+        </p:txBody>
+      </p:sp>
+    </p:spTree>
+    <p:extLst>
+      <p:ext uri="{BB962C8B-B14F-4D97-AF65-F5344CB8AC3E}">
+        <p14:creationId xmlns:p14="http://schemas.microsoft.com/office/powerpoint/2010/main" val="1737834007"/>
+      </p:ext>
+    </p:extLst>
+  </p:cSld>
+  <p:clrMapOvr>
+    <a:masterClrMapping/>
+  </p:clrMapOvr>
+</p:sld>
+</file>
+
+<file path=ppt/slides/slide13.xml><?xml version="1.0" encoding="utf-8"?>
+<p:sld xmlns:a="http://schemas.openxmlformats.org/drawingml/2006/main" xmlns:r="http://schemas.openxmlformats.org/officeDocument/2006/relationships" xmlns:p="http://schemas.openxmlformats.org/presentationml/2006/main">
+  <p:cSld>
+    <p:spTree>
+      <p:nvGrpSpPr>
+        <p:cNvPr id="1" name=""/>
+        <p:cNvGrpSpPr/>
+        <p:nvPr/>
+      </p:nvGrpSpPr>
+      <p:grpSpPr>
+        <a:xfrm>
+          <a:off x="0" y="0"/>
+          <a:ext cx="0" cy="0"/>
+          <a:chOff x="0" y="0"/>
+          <a:chExt cx="0" cy="0"/>
+        </a:xfrm>
+      </p:grpSpPr>
+      <p:sp>
+        <p:nvSpPr>
+          <p:cNvPr id="2" name="Title 1">
+            <a:extLst>
+              <a:ext uri="{FF2B5EF4-FFF2-40B4-BE49-F238E27FC236}">
+                <a16:creationId xmlns:a16="http://schemas.microsoft.com/office/drawing/2014/main" id="{4E696494-564D-4C2E-8261-9CA41776DB58}"/>
+              </a:ext>
+            </a:extLst>
+          </p:cNvPr>
+          <p:cNvSpPr>
+            <a:spLocks noGrp="1"/>
+          </p:cNvSpPr>
+          <p:nvPr>
+            <p:ph type="title"/>
+          </p:nvPr>
+        </p:nvSpPr>
+        <p:spPr/>
+        <p:txBody>
+          <a:bodyPr/>
+          <a:lstStyle/>
+          <a:p>
+            <a:r>
+              <a:rPr lang="en-US" dirty="0"/>
+              <a:t>Works Cited</a:t>
+            </a:r>
+          </a:p>
+        </p:txBody>
+      </p:sp>
+      <p:sp>
+        <p:nvSpPr>
+          <p:cNvPr id="3" name="Content Placeholder 2">
+            <a:extLst>
+              <a:ext uri="{FF2B5EF4-FFF2-40B4-BE49-F238E27FC236}">
+                <a16:creationId xmlns:a16="http://schemas.microsoft.com/office/drawing/2014/main" id="{EEEDAA95-C3F8-4F26-B238-CEBFE6C9C964}"/>
+              </a:ext>
+            </a:extLst>
+          </p:cNvPr>
+          <p:cNvSpPr>
+            <a:spLocks noGrp="1"/>
+          </p:cNvSpPr>
+          <p:nvPr>
+            <p:ph idx="1"/>
+          </p:nvPr>
+        </p:nvSpPr>
+        <p:spPr/>
+        <p:txBody>
+          <a:bodyPr/>
+          <a:lstStyle/>
+          <a:p>
+            <a:r>
+              <a:rPr lang="en-US" sz="1400" dirty="0"/>
+              <a:t>[1] </a:t>
+            </a:r>
+            <a:r>
+              <a:rPr lang="en-US" sz="1400" dirty="0">
+                <a:effectLst/>
+                <a:latin typeface="Arial" panose="020B0604020202020204" pitchFamily="34" charset="0"/>
+              </a:rPr>
+              <a:t>C. Isidore, “Why car prices remain so stubbornly high,” CNN Business, 2022. [Online]. Available: </a:t>
+            </a:r>
+            <a:r>
+              <a:rPr lang="en-US" sz="1400" dirty="0">
+                <a:effectLst/>
+                <a:latin typeface="Arial" panose="020B0604020202020204" pitchFamily="34" charset="0"/>
+                <a:hlinkClick r:id="rId2"/>
+              </a:rPr>
+              <a:t>https://www.cnn.com/2022/01/20/business/car-prices-easing-2022/index.html</a:t>
+            </a:r>
+            <a:r>
+              <a:rPr lang="en-US" sz="1400" dirty="0">
+                <a:effectLst/>
+                <a:latin typeface="Arial" panose="020B0604020202020204" pitchFamily="34" charset="0"/>
+              </a:rPr>
+              <a:t> </a:t>
+            </a:r>
+          </a:p>
+          <a:p>
+            <a:r>
+              <a:rPr lang="en-US" sz="1400" dirty="0"/>
+              <a:t>[2] </a:t>
+            </a:r>
+            <a:r>
+              <a:rPr lang="en-US" sz="1400" dirty="0">
+                <a:effectLst/>
+                <a:latin typeface="Arial" panose="020B0604020202020204" pitchFamily="34" charset="0"/>
+              </a:rPr>
+              <a:t>K. </a:t>
+            </a:r>
+            <a:r>
+              <a:rPr lang="en-US" sz="1400" dirty="0" err="1">
+                <a:effectLst/>
+                <a:latin typeface="Arial" panose="020B0604020202020204" pitchFamily="34" charset="0"/>
+              </a:rPr>
+              <a:t>Kumbar</a:t>
+            </a:r>
+            <a:r>
+              <a:rPr lang="en-US" sz="1400" dirty="0">
+                <a:effectLst/>
+                <a:latin typeface="Arial" panose="020B0604020202020204" pitchFamily="34" charset="0"/>
+              </a:rPr>
+              <a:t>, P. </a:t>
+            </a:r>
+            <a:r>
+              <a:rPr lang="en-US" sz="1400" dirty="0" err="1">
+                <a:effectLst/>
+                <a:latin typeface="Arial" panose="020B0604020202020204" pitchFamily="34" charset="0"/>
+              </a:rPr>
+              <a:t>Gadre</a:t>
+            </a:r>
+            <a:r>
+              <a:rPr lang="en-US" sz="1400" dirty="0">
+                <a:effectLst/>
+                <a:latin typeface="Arial" panose="020B0604020202020204" pitchFamily="34" charset="0"/>
+              </a:rPr>
+              <a:t>, and V. Nayak, “Cs 229 project report: Predicting used car prices,” December 2019. [Online]. Available: </a:t>
+            </a:r>
+            <a:r>
+              <a:rPr lang="en-US" sz="1400" dirty="0">
+                <a:effectLst/>
+                <a:latin typeface="Arial" panose="020B0604020202020204" pitchFamily="34" charset="0"/>
+                <a:hlinkClick r:id="rId3"/>
+              </a:rPr>
+              <a:t>https://cs229.stanford.edu/proj2019aut/data/assignment_308832_raw/26612934.pdf</a:t>
+            </a:r>
+            <a:r>
+              <a:rPr lang="en-US" sz="1400" dirty="0">
+                <a:effectLst/>
+                <a:latin typeface="Arial" panose="020B0604020202020204" pitchFamily="34" charset="0"/>
+              </a:rPr>
+              <a:t> </a:t>
+            </a:r>
+          </a:p>
+          <a:p>
+            <a:r>
+              <a:rPr lang="en-US" sz="1400" dirty="0">
+                <a:latin typeface="Arial" panose="020B0604020202020204" pitchFamily="34" charset="0"/>
+              </a:rPr>
+              <a:t>[3] </a:t>
+            </a:r>
+            <a:r>
+              <a:rPr lang="en-US" sz="1400" dirty="0">
+                <a:effectLst/>
+                <a:latin typeface="Arial" panose="020B0604020202020204" pitchFamily="34" charset="0"/>
+              </a:rPr>
+              <a:t>B. </a:t>
+            </a:r>
+            <a:r>
+              <a:rPr lang="en-US" sz="1400" dirty="0" err="1">
+                <a:effectLst/>
+                <a:latin typeface="Arial" panose="020B0604020202020204" pitchFamily="34" charset="0"/>
+              </a:rPr>
+              <a:t>Tunguz</a:t>
+            </a:r>
+            <a:r>
+              <a:rPr lang="en-US" sz="1400" dirty="0">
+                <a:effectLst/>
+                <a:latin typeface="Arial" panose="020B0604020202020204" pitchFamily="34" charset="0"/>
+              </a:rPr>
+              <a:t>, “Used car auction prices,” 2015. [Online]. Available: </a:t>
+            </a:r>
+            <a:r>
+              <a:rPr lang="en-US" sz="1400" dirty="0">
+                <a:effectLst/>
+                <a:latin typeface="Arial" panose="020B0604020202020204" pitchFamily="34" charset="0"/>
+                <a:hlinkClick r:id="rId4"/>
+              </a:rPr>
+              <a:t>https://www.kaggle.com/tunguz/used-car-auction-prices</a:t>
+            </a:r>
+            <a:r>
+              <a:rPr lang="en-US" sz="1400" dirty="0">
+                <a:latin typeface="Arial" panose="020B0604020202020204" pitchFamily="34" charset="0"/>
+              </a:rPr>
+              <a:t> </a:t>
+            </a:r>
+            <a:endParaRPr lang="en-US" sz="1400" dirty="0">
+              <a:effectLst/>
+              <a:latin typeface="Arial" panose="020B0604020202020204" pitchFamily="34" charset="0"/>
+            </a:endParaRPr>
+          </a:p>
+          <a:p>
+            <a:endParaRPr lang="en-US" dirty="0"/>
+          </a:p>
+        </p:txBody>
+      </p:sp>
+    </p:spTree>
+    <p:extLst>
+      <p:ext uri="{BB962C8B-B14F-4D97-AF65-F5344CB8AC3E}">
+        <p14:creationId xmlns:p14="http://schemas.microsoft.com/office/powerpoint/2010/main" val="3894323495"/>
       </p:ext>
     </p:extLst>
   </p:cSld>
@@ -4575,7 +4601,7 @@
             </a:pPr>
             <a:r>
               <a:rPr lang="en-US" dirty="0"/>
-              <a:t>The performed tests</a:t>
+              <a:t>How I gathered data</a:t>
             </a:r>
           </a:p>
           <a:p>
@@ -4585,7 +4611,7 @@
             </a:pPr>
             <a:r>
               <a:rPr lang="en-US" dirty="0"/>
-              <a:t>How I gathered data</a:t>
+              <a:t>The performed tests</a:t>
             </a:r>
           </a:p>
           <a:p>
@@ -4663,7 +4689,7 @@
           <a:p>
             <a:r>
               <a:rPr lang="en-US" dirty="0"/>
-              <a:t>My Motivation</a:t>
+              <a:t>Introduction and Motivation</a:t>
             </a:r>
           </a:p>
         </p:txBody>
@@ -4691,19 +4717,31 @@
           <a:p>
             <a:r>
               <a:rPr lang="en-US" dirty="0"/>
-              <a:t>Currently, the pricing of used cars is unpredictable and expensive. Sellers want the most amount of money for their car, while buyers want to avoid overpaying for a car. </a:t>
+              <a:t>Purchasing a car is the second largest purchase most people make.</a:t>
             </a:r>
           </a:p>
           <a:p>
             <a:r>
               <a:rPr lang="en-US" dirty="0"/>
-              <a:t>This leads to an interesting standstill for both buyers and sellers where they are undecided as to the proper price for a used car.</a:t>
+              <a:t>Since the average price of a new car is $46,426 and the average price of a used car is $30,000, a large portion of the population has turned to purchasing used cars [1].</a:t>
             </a:r>
           </a:p>
           <a:p>
             <a:r>
               <a:rPr lang="en-US" dirty="0"/>
-              <a:t>By creating an accurate regression model for the price of a used car based on its features, both buyers and sellers can easily determine a fair price for any given used car.</a:t>
+              <a:t>However, determining whether a listed price is fair and accurate is a more difficult task.</a:t>
+            </a:r>
+          </a:p>
+          <a:p>
+            <a:r>
+              <a:rPr lang="en-US" dirty="0"/>
+              <a:t>In the past, a consumer, car salesmen, or private car seller would have to manually search through other car listings and (with their bias included), determine whether the price listed was accurate. This leads to inaccurate and time-consuming results.</a:t>
+            </a:r>
+          </a:p>
+          <a:p>
+            <a:r>
+              <a:rPr lang="en-US" dirty="0"/>
+              <a:t>This problem can be greatly simplified through machine learning.</a:t>
             </a:r>
           </a:p>
         </p:txBody>
@@ -4743,7 +4781,7 @@
           <p:cNvPr id="2" name="Title 1">
             <a:extLst>
               <a:ext uri="{FF2B5EF4-FFF2-40B4-BE49-F238E27FC236}">
-                <a16:creationId xmlns:a16="http://schemas.microsoft.com/office/drawing/2014/main" id="{C16348A1-A2B4-442E-87B5-06CDDE7C031B}"/>
+                <a16:creationId xmlns:a16="http://schemas.microsoft.com/office/drawing/2014/main" id="{091BF7EB-5102-401C-8340-4AF9BAB27ED1}"/>
               </a:ext>
             </a:extLst>
           </p:cNvPr>
@@ -4761,7 +4799,7 @@
           <a:p>
             <a:r>
               <a:rPr lang="en-US" dirty="0"/>
-              <a:t>My Motivation (cont.)</a:t>
+              <a:t>Project Description and Details</a:t>
             </a:r>
           </a:p>
         </p:txBody>
@@ -4771,7 +4809,7 @@
           <p:cNvPr id="3" name="Content Placeholder 2">
             <a:extLst>
               <a:ext uri="{FF2B5EF4-FFF2-40B4-BE49-F238E27FC236}">
-                <a16:creationId xmlns:a16="http://schemas.microsoft.com/office/drawing/2014/main" id="{311154EF-3C76-42C9-AEE4-F4AE3EBC271A}"/>
+                <a16:creationId xmlns:a16="http://schemas.microsoft.com/office/drawing/2014/main" id="{37CFF424-F6D0-4393-BF36-F2606067DBCF}"/>
               </a:ext>
             </a:extLst>
           </p:cNvPr>
@@ -4784,24 +4822,86 @@
         </p:nvSpPr>
         <p:spPr/>
         <p:txBody>
-          <a:bodyPr/>
+          <a:bodyPr>
+            <a:normAutofit/>
+          </a:bodyPr>
           <a:lstStyle/>
           <a:p>
             <a:r>
               <a:rPr lang="en-US" dirty="0"/>
-              <a:t>This problem to evaluate the price of a used car based on its features may seem simple at first, however it is not.</a:t>
-            </a:r>
-          </a:p>
-          <a:p>
+              <a:t>This project is based off </a:t>
+            </a:r>
+            <a:r>
+              <a:rPr lang="en-US" i="1" dirty="0"/>
+              <a:t>CS 229 Project Report: Predicting Used Car Prices</a:t>
+            </a:r>
             <a:r>
               <a:rPr lang="en-US" dirty="0"/>
-              <a:t>Interestingly, although there is a linear relationship between a car’s age (or milage) and its price, there is a heavy variation between all the datapoints.</a:t>
-            </a:r>
-          </a:p>
-          <a:p>
+              <a:t> by </a:t>
+            </a:r>
+            <a:r>
+              <a:rPr lang="en-US" dirty="0" err="1"/>
+              <a:t>Kshitij</a:t>
+            </a:r>
             <a:r>
               <a:rPr lang="en-US" dirty="0"/>
-              <a:t>This leads to the conclusion that other non-linear factors are at play, which must be discovered through different means.</a:t>
+              <a:t> </a:t>
+            </a:r>
+            <a:r>
+              <a:rPr lang="en-US" dirty="0" err="1"/>
+              <a:t>Kumbar</a:t>
+            </a:r>
+            <a:r>
+              <a:rPr lang="en-US" dirty="0"/>
+              <a:t>, Pranav </a:t>
+            </a:r>
+            <a:r>
+              <a:rPr lang="en-US" dirty="0" err="1"/>
+              <a:t>Gadre</a:t>
+            </a:r>
+            <a:r>
+              <a:rPr lang="en-US" dirty="0"/>
+              <a:t>, and Varun Naya [2].</a:t>
+            </a:r>
+          </a:p>
+          <a:p>
+            <a:r>
+              <a:rPr lang="en-US" dirty="0"/>
+              <a:t>In this project, I simply use a Support Vector Machine (SVM) and Multiple Linear Regression.</a:t>
+            </a:r>
+          </a:p>
+          <a:p>
+            <a:r>
+              <a:rPr lang="en-US" dirty="0"/>
+              <a:t>The dataset for this project comes from Kaggle and includes 560,000 car listings [3].</a:t>
+            </a:r>
+          </a:p>
+          <a:p>
+            <a:r>
+              <a:rPr lang="en-US" dirty="0"/>
+              <a:t>This project runs the dataset through each model a single time and returns the R</a:t>
+            </a:r>
+            <a:r>
+              <a:rPr lang="en-US" baseline="30000" dirty="0"/>
+              <a:t>2</a:t>
+            </a:r>
+            <a:r>
+              <a:rPr lang="en-US" dirty="0"/>
+              <a:t> Accuracy, the Mean Squared Error (MSE), the Root Mean Squared Error (RMSE), and the time it took to train the model.</a:t>
+            </a:r>
+          </a:p>
+          <a:p>
+            <a:r>
+              <a:rPr lang="en-US" dirty="0"/>
+              <a:t>My initial models showed great success, with both taking less than a minute to train and having an R</a:t>
+            </a:r>
+            <a:r>
+              <a:rPr lang="en-US" baseline="30000" dirty="0"/>
+              <a:t>2</a:t>
+            </a:r>
+            <a:r>
+              <a:rPr lang="en-US" dirty="0"/>
+              <a:t> accuracy of over 90%.</a:t>
             </a:r>
           </a:p>
         </p:txBody>
@@ -4809,7 +4909,7 @@
     </p:spTree>
     <p:extLst>
       <p:ext uri="{BB962C8B-B14F-4D97-AF65-F5344CB8AC3E}">
-        <p14:creationId xmlns:p14="http://schemas.microsoft.com/office/powerpoint/2010/main" val="2991967641"/>
+        <p14:creationId xmlns:p14="http://schemas.microsoft.com/office/powerpoint/2010/main" val="2088196860"/>
       </p:ext>
     </p:extLst>
   </p:cSld>
@@ -4841,7 +4941,7 @@
           <p:cNvPr id="2" name="Title 1">
             <a:extLst>
               <a:ext uri="{FF2B5EF4-FFF2-40B4-BE49-F238E27FC236}">
-                <a16:creationId xmlns:a16="http://schemas.microsoft.com/office/drawing/2014/main" id="{091BF7EB-5102-401C-8340-4AF9BAB27ED1}"/>
+                <a16:creationId xmlns:a16="http://schemas.microsoft.com/office/drawing/2014/main" id="{472D1A18-9188-4AF9-9797-2B64492321C4}"/>
               </a:ext>
             </a:extLst>
           </p:cNvPr>
@@ -4859,7 +4959,7 @@
           <a:p>
             <a:r>
               <a:rPr lang="en-US" dirty="0"/>
-              <a:t>Project Description</a:t>
+              <a:t>Extensive Results – The Dataset</a:t>
             </a:r>
           </a:p>
         </p:txBody>
@@ -4869,7 +4969,7 @@
           <p:cNvPr id="3" name="Content Placeholder 2">
             <a:extLst>
               <a:ext uri="{FF2B5EF4-FFF2-40B4-BE49-F238E27FC236}">
-                <a16:creationId xmlns:a16="http://schemas.microsoft.com/office/drawing/2014/main" id="{37CFF424-F6D0-4393-BF36-F2606067DBCF}"/>
+                <a16:creationId xmlns:a16="http://schemas.microsoft.com/office/drawing/2014/main" id="{E26CA3E8-D20B-4B11-BE12-5621D0E15FF7}"/>
               </a:ext>
             </a:extLst>
           </p:cNvPr>
@@ -4887,77 +4987,35 @@
           <a:p>
             <a:r>
               <a:rPr lang="en-US" dirty="0"/>
-              <a:t>The baseline for this project is </a:t>
-            </a:r>
-            <a:r>
-              <a:rPr lang="en-US" i="1" dirty="0"/>
-              <a:t>CS 229 Project Report: Predicting Used Car Prices</a:t>
-            </a:r>
+              <a:t>The dataset chosen for this project from Kaggle included X factors: X, X, and X.</a:t>
+            </a:r>
+          </a:p>
+          <a:p>
             <a:r>
               <a:rPr lang="en-US" dirty="0"/>
-              <a:t> by </a:t>
+              <a:t>Once the dataset was selected, I had to preprocess the data to remove outliers and clean up unnecessary factors. The frequency of the data, after preprocessing, is shown in the image [below/to the right/</a:t>
             </a:r>
             <a:r>
               <a:rPr lang="en-US" dirty="0" err="1"/>
-              <a:t>Kshitij</a:t>
+              <a:t>etc</a:t>
             </a:r>
             <a:r>
               <a:rPr lang="en-US" dirty="0"/>
-              <a:t> </a:t>
+              <a:t>].</a:t>
+            </a:r>
+          </a:p>
+          <a:p>
+            <a:r>
+              <a:rPr lang="en-US" dirty="0"/>
+              <a:t>Talk about </a:t>
             </a:r>
             <a:r>
               <a:rPr lang="en-US" dirty="0" err="1"/>
-              <a:t>Kumbar</a:t>
+              <a:t>OneHotEncoding</a:t>
             </a:r>
             <a:r>
               <a:rPr lang="en-US" dirty="0"/>
-              <a:t>, Pranav </a:t>
-            </a:r>
-            <a:r>
-              <a:rPr lang="en-US" dirty="0" err="1"/>
-              <a:t>Gadre</a:t>
-            </a:r>
-            <a:r>
-              <a:rPr lang="en-US" dirty="0"/>
-              <a:t>, and Varun Naya. (</a:t>
-            </a:r>
-            <a:r>
-              <a:rPr lang="en-US" dirty="0">
-                <a:hlinkClick r:id="rId2"/>
-              </a:rPr>
-              <a:t>Link to PDF</a:t>
-            </a:r>
-            <a:r>
-              <a:rPr lang="en-US" dirty="0"/>
-              <a:t>) </a:t>
-            </a:r>
-          </a:p>
-          <a:p>
-            <a:r>
-              <a:rPr lang="en-US" dirty="0"/>
-              <a:t>The dataset is from Kaggle and contains 1.2 Million used car listings obtained from TrueCar.com. (</a:t>
-            </a:r>
-            <a:r>
-              <a:rPr lang="en-US" dirty="0">
-                <a:hlinkClick r:id="rId3"/>
-              </a:rPr>
-              <a:t>Link to Dataset</a:t>
-            </a:r>
-            <a:r>
-              <a:rPr lang="en-US" dirty="0"/>
-              <a:t>)</a:t>
-            </a:r>
-          </a:p>
-          <a:p>
-            <a:r>
-              <a:rPr lang="en-US" dirty="0"/>
-              <a:t>The overall problem that both the baseline project and I wish to solve is to find an accurate way to predict used car prices.</a:t>
-            </a:r>
-          </a:p>
-          <a:p>
-            <a:r>
-              <a:rPr lang="en-US" dirty="0"/>
-              <a:t>Essentially, the baseline project stripped the data of all factors except the car’s age, milage, make, model, and price.</a:t>
+              <a:t>.</a:t>
             </a:r>
           </a:p>
         </p:txBody>
@@ -4965,7 +5023,7 @@
     </p:spTree>
     <p:extLst>
       <p:ext uri="{BB962C8B-B14F-4D97-AF65-F5344CB8AC3E}">
-        <p14:creationId xmlns:p14="http://schemas.microsoft.com/office/powerpoint/2010/main" val="2088196860"/>
+        <p14:creationId xmlns:p14="http://schemas.microsoft.com/office/powerpoint/2010/main" val="1568283783"/>
       </p:ext>
     </p:extLst>
   </p:cSld>
@@ -5015,7 +5073,7 @@
           <a:p>
             <a:r>
               <a:rPr lang="en-US" dirty="0"/>
-              <a:t>My Implementation</a:t>
+              <a:t>Extensive Results – The Dataset</a:t>
             </a:r>
           </a:p>
         </p:txBody>
@@ -5043,19 +5101,7 @@
           <a:p>
             <a:r>
               <a:rPr lang="en-US" dirty="0"/>
-              <a:t>For my implementation, I intend to keep more of the factors from the raw data that the baseline project stripped away.</a:t>
-            </a:r>
-          </a:p>
-          <a:p>
-            <a:r>
-              <a:rPr lang="en-US" dirty="0"/>
-              <a:t>In doing this, there will be more flexibility in the models I generate so they can accurately fit the training and testing data.</a:t>
-            </a:r>
-          </a:p>
-          <a:p>
-            <a:r>
-              <a:rPr lang="en-US" dirty="0"/>
-              <a:t>Through my implementation, I will create three Linear Regression models (singular, multiple, and polynomial), a Support Vector Machine, and an Artificial Neural Network. After testing, a winning model will be decided: first based on accuracy, then on the time it takes for the model to reach that accuracy.</a:t>
+              <a:t>Slide about Linearity with 2 images here.</a:t>
             </a:r>
           </a:p>
         </p:txBody>
@@ -5063,7 +5109,7 @@
     </p:spTree>
     <p:extLst>
       <p:ext uri="{BB962C8B-B14F-4D97-AF65-F5344CB8AC3E}">
-        <p14:creationId xmlns:p14="http://schemas.microsoft.com/office/powerpoint/2010/main" val="1568283783"/>
+        <p14:creationId xmlns:p14="http://schemas.microsoft.com/office/powerpoint/2010/main" val="736390389"/>
       </p:ext>
     </p:extLst>
   </p:cSld>
@@ -5095,7 +5141,7 @@
           <p:cNvPr id="2" name="Title 1">
             <a:extLst>
               <a:ext uri="{FF2B5EF4-FFF2-40B4-BE49-F238E27FC236}">
-                <a16:creationId xmlns:a16="http://schemas.microsoft.com/office/drawing/2014/main" id="{DBCA3876-44B7-49CA-9FEB-927574AFCB44}"/>
+                <a16:creationId xmlns:a16="http://schemas.microsoft.com/office/drawing/2014/main" id="{472D1A18-9188-4AF9-9797-2B64492321C4}"/>
               </a:ext>
             </a:extLst>
           </p:cNvPr>
@@ -5108,508 +5154,50 @@
         </p:nvSpPr>
         <p:spPr/>
         <p:txBody>
+          <a:bodyPr>
+            <a:normAutofit/>
+          </a:bodyPr>
+          <a:lstStyle/>
+          <a:p>
+            <a:r>
+              <a:rPr lang="en-US" sz="4400" dirty="0"/>
+              <a:t>Performed Tests – Linear Regression</a:t>
+            </a:r>
+          </a:p>
+        </p:txBody>
+      </p:sp>
+      <p:sp>
+        <p:nvSpPr>
+          <p:cNvPr id="3" name="Content Placeholder 2">
+            <a:extLst>
+              <a:ext uri="{FF2B5EF4-FFF2-40B4-BE49-F238E27FC236}">
+                <a16:creationId xmlns:a16="http://schemas.microsoft.com/office/drawing/2014/main" id="{E26CA3E8-D20B-4B11-BE12-5621D0E15FF7}"/>
+              </a:ext>
+            </a:extLst>
+          </p:cNvPr>
+          <p:cNvSpPr>
+            <a:spLocks noGrp="1"/>
+          </p:cNvSpPr>
+          <p:nvPr>
+            <p:ph idx="1"/>
+          </p:nvPr>
+        </p:nvSpPr>
+        <p:spPr/>
+        <p:txBody>
           <a:bodyPr/>
           <a:lstStyle/>
           <a:p>
             <a:r>
               <a:rPr lang="en-US" dirty="0"/>
-              <a:t>Baseline Results</a:t>
-            </a:r>
-          </a:p>
-        </p:txBody>
-      </p:sp>
-      <p:pic>
-        <p:nvPicPr>
-          <p:cNvPr id="5" name="Content Placeholder 4">
-            <a:extLst>
-              <a:ext uri="{FF2B5EF4-FFF2-40B4-BE49-F238E27FC236}">
-                <a16:creationId xmlns:a16="http://schemas.microsoft.com/office/drawing/2014/main" id="{441A1109-EF2F-4704-8E51-80DB236E5450}"/>
-              </a:ext>
-            </a:extLst>
-          </p:cNvPr>
-          <p:cNvPicPr>
-            <a:picLocks noGrp="1" noChangeAspect="1"/>
-          </p:cNvPicPr>
-          <p:nvPr>
-            <p:ph idx="1"/>
-          </p:nvPr>
-        </p:nvPicPr>
-        <p:blipFill>
-          <a:blip r:embed="rId2"/>
-          <a:stretch>
-            <a:fillRect/>
-          </a:stretch>
-        </p:blipFill>
-        <p:spPr>
-          <a:xfrm>
-            <a:off x="1716088" y="2108225"/>
-            <a:ext cx="8820150" cy="3760738"/>
-          </a:xfrm>
-        </p:spPr>
-      </p:pic>
-      <mc:AlternateContent xmlns:mc="http://schemas.openxmlformats.org/markup-compatibility/2006" xmlns:p14="http://schemas.microsoft.com/office/powerpoint/2010/main">
-        <mc:Choice Requires="p14">
-          <p:contentPart p14:bwMode="auto" r:id="rId3">
-            <p14:nvContentPartPr>
-              <p14:cNvPr id="13" name="Ink 12">
-                <a:extLst>
-                  <a:ext uri="{FF2B5EF4-FFF2-40B4-BE49-F238E27FC236}">
-                    <a16:creationId xmlns:a16="http://schemas.microsoft.com/office/drawing/2014/main" id="{0B59BBBB-0B64-4AA9-8116-B1687F38D494}"/>
-                  </a:ext>
-                </a:extLst>
-              </p14:cNvPr>
-              <p14:cNvContentPartPr/>
-              <p14:nvPr/>
-            </p14:nvContentPartPr>
-            <p14:xfrm>
-              <a:off x="2077113" y="3009268"/>
-              <a:ext cx="1553040" cy="36360"/>
-            </p14:xfrm>
-          </p:contentPart>
-        </mc:Choice>
-        <mc:Fallback xmlns="">
-          <p:pic>
-            <p:nvPicPr>
-              <p:cNvPr id="13" name="Ink 12">
-                <a:extLst>
-                  <a:ext uri="{FF2B5EF4-FFF2-40B4-BE49-F238E27FC236}">
-                    <a16:creationId xmlns:a16="http://schemas.microsoft.com/office/drawing/2014/main" id="{0B59BBBB-0B64-4AA9-8116-B1687F38D494}"/>
-                  </a:ext>
-                </a:extLst>
-              </p:cNvPr>
-              <p:cNvPicPr/>
-              <p:nvPr/>
-            </p:nvPicPr>
-            <p:blipFill>
-              <a:blip r:embed="rId4"/>
-              <a:stretch>
-                <a:fillRect/>
-              </a:stretch>
-            </p:blipFill>
-            <p:spPr>
-              <a:xfrm>
-                <a:off x="2023113" y="2901628"/>
-                <a:ext cx="1660680" cy="252000"/>
-              </a:xfrm>
-              <a:prstGeom prst="rect">
-                <a:avLst/>
-              </a:prstGeom>
-            </p:spPr>
-          </p:pic>
-        </mc:Fallback>
-      </mc:AlternateContent>
-      <mc:AlternateContent xmlns:mc="http://schemas.openxmlformats.org/markup-compatibility/2006" xmlns:p14="http://schemas.microsoft.com/office/powerpoint/2010/main">
-        <mc:Choice Requires="p14">
-          <p:contentPart p14:bwMode="auto" r:id="rId5">
-            <p14:nvContentPartPr>
-              <p14:cNvPr id="14" name="Ink 13">
-                <a:extLst>
-                  <a:ext uri="{FF2B5EF4-FFF2-40B4-BE49-F238E27FC236}">
-                    <a16:creationId xmlns:a16="http://schemas.microsoft.com/office/drawing/2014/main" id="{74BAD07A-9540-4BB9-9F55-B10050D4018C}"/>
-                  </a:ext>
-                </a:extLst>
-              </p14:cNvPr>
-              <p14:cNvContentPartPr/>
-              <p14:nvPr/>
-            </p14:nvContentPartPr>
-            <p14:xfrm>
-              <a:off x="4882593" y="2999188"/>
-              <a:ext cx="336960" cy="23400"/>
-            </p14:xfrm>
-          </p:contentPart>
-        </mc:Choice>
-        <mc:Fallback xmlns="">
-          <p:pic>
-            <p:nvPicPr>
-              <p:cNvPr id="14" name="Ink 13">
-                <a:extLst>
-                  <a:ext uri="{FF2B5EF4-FFF2-40B4-BE49-F238E27FC236}">
-                    <a16:creationId xmlns:a16="http://schemas.microsoft.com/office/drawing/2014/main" id="{74BAD07A-9540-4BB9-9F55-B10050D4018C}"/>
-                  </a:ext>
-                </a:extLst>
-              </p:cNvPr>
-              <p:cNvPicPr/>
-              <p:nvPr/>
-            </p:nvPicPr>
-            <p:blipFill>
-              <a:blip r:embed="rId6"/>
-              <a:stretch>
-                <a:fillRect/>
-              </a:stretch>
-            </p:blipFill>
-            <p:spPr>
-              <a:xfrm>
-                <a:off x="4828593" y="2891188"/>
-                <a:ext cx="444600" cy="239040"/>
-              </a:xfrm>
-              <a:prstGeom prst="rect">
-                <a:avLst/>
-              </a:prstGeom>
-            </p:spPr>
-          </p:pic>
-        </mc:Fallback>
-      </mc:AlternateContent>
-      <mc:AlternateContent xmlns:mc="http://schemas.openxmlformats.org/markup-compatibility/2006" xmlns:p14="http://schemas.microsoft.com/office/powerpoint/2010/main">
-        <mc:Choice Requires="p14">
-          <p:contentPart p14:bwMode="auto" r:id="rId7">
-            <p14:nvContentPartPr>
-              <p14:cNvPr id="15" name="Ink 14">
-                <a:extLst>
-                  <a:ext uri="{FF2B5EF4-FFF2-40B4-BE49-F238E27FC236}">
-                    <a16:creationId xmlns:a16="http://schemas.microsoft.com/office/drawing/2014/main" id="{F42CA5DB-436A-4C3C-BAFA-00B835DF5984}"/>
-                  </a:ext>
-                </a:extLst>
-              </p14:cNvPr>
-              <p14:cNvContentPartPr/>
-              <p14:nvPr/>
-            </p14:nvContentPartPr>
-            <p14:xfrm>
-              <a:off x="8984073" y="3026548"/>
-              <a:ext cx="869400" cy="27360"/>
-            </p14:xfrm>
-          </p:contentPart>
-        </mc:Choice>
-        <mc:Fallback xmlns="">
-          <p:pic>
-            <p:nvPicPr>
-              <p:cNvPr id="15" name="Ink 14">
-                <a:extLst>
-                  <a:ext uri="{FF2B5EF4-FFF2-40B4-BE49-F238E27FC236}">
-                    <a16:creationId xmlns:a16="http://schemas.microsoft.com/office/drawing/2014/main" id="{F42CA5DB-436A-4C3C-BAFA-00B835DF5984}"/>
-                  </a:ext>
-                </a:extLst>
-              </p:cNvPr>
-              <p:cNvPicPr/>
-              <p:nvPr/>
-            </p:nvPicPr>
-            <p:blipFill>
-              <a:blip r:embed="rId8"/>
-              <a:stretch>
-                <a:fillRect/>
-              </a:stretch>
-            </p:blipFill>
-            <p:spPr>
-              <a:xfrm>
-                <a:off x="8930073" y="2918908"/>
-                <a:ext cx="977040" cy="243000"/>
-              </a:xfrm>
-              <a:prstGeom prst="rect">
-                <a:avLst/>
-              </a:prstGeom>
-            </p:spPr>
-          </p:pic>
-        </mc:Fallback>
-      </mc:AlternateContent>
-      <mc:AlternateContent xmlns:mc="http://schemas.openxmlformats.org/markup-compatibility/2006" xmlns:p14="http://schemas.microsoft.com/office/powerpoint/2010/main">
-        <mc:Choice Requires="p14">
-          <p:contentPart p14:bwMode="auto" r:id="rId9">
-            <p14:nvContentPartPr>
-              <p14:cNvPr id="16" name="Ink 15">
-                <a:extLst>
-                  <a:ext uri="{FF2B5EF4-FFF2-40B4-BE49-F238E27FC236}">
-                    <a16:creationId xmlns:a16="http://schemas.microsoft.com/office/drawing/2014/main" id="{03CA3DFD-8645-4C0D-8C63-DA3964E77182}"/>
-                  </a:ext>
-                </a:extLst>
-              </p14:cNvPr>
-              <p14:cNvContentPartPr/>
-              <p14:nvPr/>
-            </p14:nvContentPartPr>
-            <p14:xfrm>
-              <a:off x="2236953" y="3879388"/>
-              <a:ext cx="1251000" cy="55440"/>
-            </p14:xfrm>
-          </p:contentPart>
-        </mc:Choice>
-        <mc:Fallback xmlns="">
-          <p:pic>
-            <p:nvPicPr>
-              <p:cNvPr id="16" name="Ink 15">
-                <a:extLst>
-                  <a:ext uri="{FF2B5EF4-FFF2-40B4-BE49-F238E27FC236}">
-                    <a16:creationId xmlns:a16="http://schemas.microsoft.com/office/drawing/2014/main" id="{03CA3DFD-8645-4C0D-8C63-DA3964E77182}"/>
-                  </a:ext>
-                </a:extLst>
-              </p:cNvPr>
-              <p:cNvPicPr/>
-              <p:nvPr/>
-            </p:nvPicPr>
-            <p:blipFill>
-              <a:blip r:embed="rId10"/>
-              <a:stretch>
-                <a:fillRect/>
-              </a:stretch>
-            </p:blipFill>
-            <p:spPr>
-              <a:xfrm>
-                <a:off x="2182953" y="3771388"/>
-                <a:ext cx="1358640" cy="271080"/>
-              </a:xfrm>
-              <a:prstGeom prst="rect">
-                <a:avLst/>
-              </a:prstGeom>
-            </p:spPr>
-          </p:pic>
-        </mc:Fallback>
-      </mc:AlternateContent>
-      <mc:AlternateContent xmlns:mc="http://schemas.openxmlformats.org/markup-compatibility/2006" xmlns:p14="http://schemas.microsoft.com/office/powerpoint/2010/main">
-        <mc:Choice Requires="p14">
-          <p:contentPart p14:bwMode="auto" r:id="rId11">
-            <p14:nvContentPartPr>
-              <p14:cNvPr id="17" name="Ink 16">
-                <a:extLst>
-                  <a:ext uri="{FF2B5EF4-FFF2-40B4-BE49-F238E27FC236}">
-                    <a16:creationId xmlns:a16="http://schemas.microsoft.com/office/drawing/2014/main" id="{F9DF9198-8BB3-4FCE-AA89-62E6FB723C47}"/>
-                  </a:ext>
-                </a:extLst>
-              </p14:cNvPr>
-              <p14:cNvContentPartPr/>
-              <p14:nvPr/>
-            </p14:nvContentPartPr>
-            <p14:xfrm>
-              <a:off x="4882593" y="3887308"/>
-              <a:ext cx="354240" cy="28080"/>
-            </p14:xfrm>
-          </p:contentPart>
-        </mc:Choice>
-        <mc:Fallback xmlns="">
-          <p:pic>
-            <p:nvPicPr>
-              <p:cNvPr id="17" name="Ink 16">
-                <a:extLst>
-                  <a:ext uri="{FF2B5EF4-FFF2-40B4-BE49-F238E27FC236}">
-                    <a16:creationId xmlns:a16="http://schemas.microsoft.com/office/drawing/2014/main" id="{F9DF9198-8BB3-4FCE-AA89-62E6FB723C47}"/>
-                  </a:ext>
-                </a:extLst>
-              </p:cNvPr>
-              <p:cNvPicPr/>
-              <p:nvPr/>
-            </p:nvPicPr>
-            <p:blipFill>
-              <a:blip r:embed="rId12"/>
-              <a:stretch>
-                <a:fillRect/>
-              </a:stretch>
-            </p:blipFill>
-            <p:spPr>
-              <a:xfrm>
-                <a:off x="4828593" y="3779308"/>
-                <a:ext cx="461880" cy="243720"/>
-              </a:xfrm>
-              <a:prstGeom prst="rect">
-                <a:avLst/>
-              </a:prstGeom>
-            </p:spPr>
-          </p:pic>
-        </mc:Fallback>
-      </mc:AlternateContent>
-      <mc:AlternateContent xmlns:mc="http://schemas.openxmlformats.org/markup-compatibility/2006" xmlns:p14="http://schemas.microsoft.com/office/powerpoint/2010/main">
-        <mc:Choice Requires="p14">
-          <p:contentPart p14:bwMode="auto" r:id="rId13">
-            <p14:nvContentPartPr>
-              <p14:cNvPr id="18" name="Ink 17">
-                <a:extLst>
-                  <a:ext uri="{FF2B5EF4-FFF2-40B4-BE49-F238E27FC236}">
-                    <a16:creationId xmlns:a16="http://schemas.microsoft.com/office/drawing/2014/main" id="{5507059D-FEF9-412D-A5AF-CEEFE5D3C939}"/>
-                  </a:ext>
-                </a:extLst>
-              </p14:cNvPr>
-              <p14:cNvContentPartPr/>
-              <p14:nvPr/>
-            </p14:nvContentPartPr>
-            <p14:xfrm>
-              <a:off x="8957073" y="3922588"/>
-              <a:ext cx="919080" cy="19800"/>
-            </p14:xfrm>
-          </p:contentPart>
-        </mc:Choice>
-        <mc:Fallback xmlns="">
-          <p:pic>
-            <p:nvPicPr>
-              <p:cNvPr id="18" name="Ink 17">
-                <a:extLst>
-                  <a:ext uri="{FF2B5EF4-FFF2-40B4-BE49-F238E27FC236}">
-                    <a16:creationId xmlns:a16="http://schemas.microsoft.com/office/drawing/2014/main" id="{5507059D-FEF9-412D-A5AF-CEEFE5D3C939}"/>
-                  </a:ext>
-                </a:extLst>
-              </p:cNvPr>
-              <p:cNvPicPr/>
-              <p:nvPr/>
-            </p:nvPicPr>
-            <p:blipFill>
-              <a:blip r:embed="rId14"/>
-              <a:stretch>
-                <a:fillRect/>
-              </a:stretch>
-            </p:blipFill>
-            <p:spPr>
-              <a:xfrm>
-                <a:off x="8903433" y="3814588"/>
-                <a:ext cx="1026720" cy="235440"/>
-              </a:xfrm>
-              <a:prstGeom prst="rect">
-                <a:avLst/>
-              </a:prstGeom>
-            </p:spPr>
-          </p:pic>
-        </mc:Fallback>
-      </mc:AlternateContent>
-      <mc:AlternateContent xmlns:mc="http://schemas.openxmlformats.org/markup-compatibility/2006" xmlns:p14="http://schemas.microsoft.com/office/powerpoint/2010/main">
-        <mc:Choice Requires="p14">
-          <p:contentPart p14:bwMode="auto" r:id="rId15">
-            <p14:nvContentPartPr>
-              <p14:cNvPr id="19" name="Ink 18">
-                <a:extLst>
-                  <a:ext uri="{FF2B5EF4-FFF2-40B4-BE49-F238E27FC236}">
-                    <a16:creationId xmlns:a16="http://schemas.microsoft.com/office/drawing/2014/main" id="{BF6A1774-8293-460B-B275-88E1080E2EE8}"/>
-                  </a:ext>
-                </a:extLst>
-              </p14:cNvPr>
-              <p14:cNvContentPartPr/>
-              <p14:nvPr/>
-            </p14:nvContentPartPr>
-            <p14:xfrm>
-              <a:off x="2130393" y="5174668"/>
-              <a:ext cx="1536480" cy="54360"/>
-            </p14:xfrm>
-          </p:contentPart>
-        </mc:Choice>
-        <mc:Fallback xmlns="">
-          <p:pic>
-            <p:nvPicPr>
-              <p:cNvPr id="19" name="Ink 18">
-                <a:extLst>
-                  <a:ext uri="{FF2B5EF4-FFF2-40B4-BE49-F238E27FC236}">
-                    <a16:creationId xmlns:a16="http://schemas.microsoft.com/office/drawing/2014/main" id="{BF6A1774-8293-460B-B275-88E1080E2EE8}"/>
-                  </a:ext>
-                </a:extLst>
-              </p:cNvPr>
-              <p:cNvPicPr/>
-              <p:nvPr/>
-            </p:nvPicPr>
-            <p:blipFill>
-              <a:blip r:embed="rId16"/>
-              <a:stretch>
-                <a:fillRect/>
-              </a:stretch>
-            </p:blipFill>
-            <p:spPr>
-              <a:xfrm>
-                <a:off x="2076393" y="5067028"/>
-                <a:ext cx="1644120" cy="270000"/>
-              </a:xfrm>
-              <a:prstGeom prst="rect">
-                <a:avLst/>
-              </a:prstGeom>
-            </p:spPr>
-          </p:pic>
-        </mc:Fallback>
-      </mc:AlternateContent>
-      <mc:AlternateContent xmlns:mc="http://schemas.openxmlformats.org/markup-compatibility/2006" xmlns:p14="http://schemas.microsoft.com/office/powerpoint/2010/main">
-        <mc:Choice Requires="p14">
-          <p:contentPart p14:bwMode="auto" r:id="rId17">
-            <p14:nvContentPartPr>
-              <p14:cNvPr id="20" name="Ink 19">
-                <a:extLst>
-                  <a:ext uri="{FF2B5EF4-FFF2-40B4-BE49-F238E27FC236}">
-                    <a16:creationId xmlns:a16="http://schemas.microsoft.com/office/drawing/2014/main" id="{3A5E11BC-2E51-4448-B7F9-819BAE600AF9}"/>
-                  </a:ext>
-                </a:extLst>
-              </p14:cNvPr>
-              <p14:cNvContentPartPr/>
-              <p14:nvPr/>
-            </p14:nvContentPartPr>
-            <p14:xfrm>
-              <a:off x="4882593" y="5218228"/>
-              <a:ext cx="318960" cy="10440"/>
-            </p14:xfrm>
-          </p:contentPart>
-        </mc:Choice>
-        <mc:Fallback xmlns="">
-          <p:pic>
-            <p:nvPicPr>
-              <p:cNvPr id="20" name="Ink 19">
-                <a:extLst>
-                  <a:ext uri="{FF2B5EF4-FFF2-40B4-BE49-F238E27FC236}">
-                    <a16:creationId xmlns:a16="http://schemas.microsoft.com/office/drawing/2014/main" id="{3A5E11BC-2E51-4448-B7F9-819BAE600AF9}"/>
-                  </a:ext>
-                </a:extLst>
-              </p:cNvPr>
-              <p:cNvPicPr/>
-              <p:nvPr/>
-            </p:nvPicPr>
-            <p:blipFill>
-              <a:blip r:embed="rId18"/>
-              <a:stretch>
-                <a:fillRect/>
-              </a:stretch>
-            </p:blipFill>
-            <p:spPr>
-              <a:xfrm>
-                <a:off x="4828593" y="5110588"/>
-                <a:ext cx="426600" cy="226080"/>
-              </a:xfrm>
-              <a:prstGeom prst="rect">
-                <a:avLst/>
-              </a:prstGeom>
-            </p:spPr>
-          </p:pic>
-        </mc:Fallback>
-      </mc:AlternateContent>
-      <mc:AlternateContent xmlns:mc="http://schemas.openxmlformats.org/markup-compatibility/2006" xmlns:p14="http://schemas.microsoft.com/office/powerpoint/2010/main">
-        <mc:Choice Requires="p14">
-          <p:contentPart p14:bwMode="auto" r:id="rId19">
-            <p14:nvContentPartPr>
-              <p14:cNvPr id="21" name="Ink 20">
-                <a:extLst>
-                  <a:ext uri="{FF2B5EF4-FFF2-40B4-BE49-F238E27FC236}">
-                    <a16:creationId xmlns:a16="http://schemas.microsoft.com/office/drawing/2014/main" id="{3A86BD84-D9B0-4883-BEC8-EB766404471B}"/>
-                  </a:ext>
-                </a:extLst>
-              </p14:cNvPr>
-              <p14:cNvContentPartPr/>
-              <p14:nvPr/>
-            </p14:nvContentPartPr>
-            <p14:xfrm>
-              <a:off x="8948433" y="5164588"/>
-              <a:ext cx="855360" cy="43560"/>
-            </p14:xfrm>
-          </p:contentPart>
-        </mc:Choice>
-        <mc:Fallback xmlns="">
-          <p:pic>
-            <p:nvPicPr>
-              <p:cNvPr id="21" name="Ink 20">
-                <a:extLst>
-                  <a:ext uri="{FF2B5EF4-FFF2-40B4-BE49-F238E27FC236}">
-                    <a16:creationId xmlns:a16="http://schemas.microsoft.com/office/drawing/2014/main" id="{3A86BD84-D9B0-4883-BEC8-EB766404471B}"/>
-                  </a:ext>
-                </a:extLst>
-              </p:cNvPr>
-              <p:cNvPicPr/>
-              <p:nvPr/>
-            </p:nvPicPr>
-            <p:blipFill>
-              <a:blip r:embed="rId20"/>
-              <a:stretch>
-                <a:fillRect/>
-              </a:stretch>
-            </p:blipFill>
-            <p:spPr>
-              <a:xfrm>
-                <a:off x="8894433" y="5056948"/>
-                <a:ext cx="963000" cy="259200"/>
-              </a:xfrm>
-              <a:prstGeom prst="rect">
-                <a:avLst/>
-              </a:prstGeom>
-            </p:spPr>
-          </p:pic>
-        </mc:Fallback>
-      </mc:AlternateContent>
+              <a:t>Slide about the Linear Regression model.</a:t>
+            </a:r>
+          </a:p>
+        </p:txBody>
+      </p:sp>
     </p:spTree>
     <p:extLst>
       <p:ext uri="{BB962C8B-B14F-4D97-AF65-F5344CB8AC3E}">
-        <p14:creationId xmlns:p14="http://schemas.microsoft.com/office/powerpoint/2010/main" val="1808139690"/>
+        <p14:creationId xmlns:p14="http://schemas.microsoft.com/office/powerpoint/2010/main" val="3744252251"/>
       </p:ext>
     </p:extLst>
   </p:cSld>
@@ -5641,7 +5229,7 @@
           <p:cNvPr id="2" name="Title 1">
             <a:extLst>
               <a:ext uri="{FF2B5EF4-FFF2-40B4-BE49-F238E27FC236}">
-                <a16:creationId xmlns:a16="http://schemas.microsoft.com/office/drawing/2014/main" id="{96D1B7F0-26EC-400A-BAD6-C3DA455ACCE7}"/>
+                <a16:creationId xmlns:a16="http://schemas.microsoft.com/office/drawing/2014/main" id="{472D1A18-9188-4AF9-9797-2B64492321C4}"/>
               </a:ext>
             </a:extLst>
           </p:cNvPr>
@@ -5654,12 +5242,14 @@
         </p:nvSpPr>
         <p:spPr/>
         <p:txBody>
-          <a:bodyPr/>
+          <a:bodyPr>
+            <a:normAutofit/>
+          </a:bodyPr>
           <a:lstStyle/>
           <a:p>
             <a:r>
               <a:rPr lang="en-US" dirty="0"/>
-              <a:t>Interpreting the Results</a:t>
+              <a:t>Performed Tests – SVM</a:t>
             </a:r>
           </a:p>
         </p:txBody>
@@ -5669,15 +5259,15 @@
           <p:cNvPr id="3" name="Content Placeholder 2">
             <a:extLst>
               <a:ext uri="{FF2B5EF4-FFF2-40B4-BE49-F238E27FC236}">
-                <a16:creationId xmlns:a16="http://schemas.microsoft.com/office/drawing/2014/main" id="{C56A5B12-F36C-4468-BEF2-E10E281A78D8}"/>
-              </a:ext>
-            </a:extLst>
-          </p:cNvPr>
-          <p:cNvSpPr>
-            <a:spLocks noGrp="1"/>
-          </p:cNvSpPr>
-          <p:nvPr>
-            <p:ph sz="half" idx="1"/>
+                <a16:creationId xmlns:a16="http://schemas.microsoft.com/office/drawing/2014/main" id="{E26CA3E8-D20B-4B11-BE12-5621D0E15FF7}"/>
+              </a:ext>
+            </a:extLst>
+          </p:cNvPr>
+          <p:cNvSpPr>
+            <a:spLocks noGrp="1"/>
+          </p:cNvSpPr>
+          <p:nvPr>
+            <p:ph idx="1"/>
           </p:nvPr>
         </p:nvSpPr>
         <p:spPr/>
@@ -5687,217 +5277,15 @@
           <a:p>
             <a:r>
               <a:rPr lang="en-US" dirty="0"/>
-              <a:t>As is highlighted, Linear Regression has one of the highest R^2 scores with the lowest training time.</a:t>
-            </a:r>
-          </a:p>
-          <a:p>
-            <a:r>
-              <a:rPr lang="en-US" dirty="0"/>
-              <a:t>This showcases that even when many of the factors from the raw data are ignored, the model will predict an accurate result </a:t>
-            </a:r>
-            <a:r>
-              <a:rPr lang="en-US" b="1" dirty="0"/>
-              <a:t>87%</a:t>
-            </a:r>
-            <a:r>
-              <a:rPr lang="en-US" dirty="0"/>
-              <a:t> of the time.</a:t>
-            </a:r>
-          </a:p>
-          <a:p>
-            <a:r>
-              <a:rPr lang="en-US" dirty="0"/>
-              <a:t>With my implementation, this accuracy can be improved even more.</a:t>
-            </a:r>
-          </a:p>
-        </p:txBody>
-      </p:sp>
-      <p:pic>
-        <p:nvPicPr>
-          <p:cNvPr id="6" name="Content Placeholder 5">
-            <a:extLst>
-              <a:ext uri="{FF2B5EF4-FFF2-40B4-BE49-F238E27FC236}">
-                <a16:creationId xmlns:a16="http://schemas.microsoft.com/office/drawing/2014/main" id="{0445B0DF-EF00-4C6C-A0E3-DE304A078054}"/>
-              </a:ext>
-            </a:extLst>
-          </p:cNvPr>
-          <p:cNvPicPr>
-            <a:picLocks noGrp="1" noChangeAspect="1"/>
-          </p:cNvPicPr>
-          <p:nvPr>
-            <p:ph sz="half" idx="2"/>
-          </p:nvPr>
-        </p:nvPicPr>
-        <p:blipFill>
-          <a:blip r:embed="rId2"/>
-          <a:stretch>
-            <a:fillRect/>
-          </a:stretch>
-        </p:blipFill>
-        <p:spPr>
-          <a:xfrm>
-            <a:off x="6516688" y="3006024"/>
-            <a:ext cx="4638675" cy="1977839"/>
-          </a:xfrm>
-        </p:spPr>
-      </p:pic>
-      <mc:AlternateContent xmlns:mc="http://schemas.openxmlformats.org/markup-compatibility/2006" xmlns:p14="http://schemas.microsoft.com/office/powerpoint/2010/main">
-        <mc:Choice Requires="p14">
-          <p:contentPart p14:bwMode="auto" r:id="rId3">
-            <p14:nvContentPartPr>
-              <p14:cNvPr id="7" name="Ink 6">
-                <a:extLst>
-                  <a:ext uri="{FF2B5EF4-FFF2-40B4-BE49-F238E27FC236}">
-                    <a16:creationId xmlns:a16="http://schemas.microsoft.com/office/drawing/2014/main" id="{E79FE655-CFC8-4A9B-911C-2B2F44EF9164}"/>
-                  </a:ext>
-                </a:extLst>
-              </p14:cNvPr>
-              <p14:cNvContentPartPr/>
-              <p14:nvPr/>
-            </p14:nvContentPartPr>
-            <p14:xfrm>
-              <a:off x="6711033" y="3461788"/>
-              <a:ext cx="771840" cy="10440"/>
-            </p14:xfrm>
-          </p:contentPart>
-        </mc:Choice>
-        <mc:Fallback xmlns="">
-          <p:pic>
-            <p:nvPicPr>
-              <p:cNvPr id="7" name="Ink 6">
-                <a:extLst>
-                  <a:ext uri="{FF2B5EF4-FFF2-40B4-BE49-F238E27FC236}">
-                    <a16:creationId xmlns:a16="http://schemas.microsoft.com/office/drawing/2014/main" id="{E79FE655-CFC8-4A9B-911C-2B2F44EF9164}"/>
-                  </a:ext>
-                </a:extLst>
-              </p:cNvPr>
-              <p:cNvPicPr/>
-              <p:nvPr/>
-            </p:nvPicPr>
-            <p:blipFill>
-              <a:blip r:embed="rId4"/>
-              <a:stretch>
-                <a:fillRect/>
-              </a:stretch>
-            </p:blipFill>
-            <p:spPr>
-              <a:xfrm>
-                <a:off x="6657393" y="3354148"/>
-                <a:ext cx="879480" cy="226080"/>
-              </a:xfrm>
-              <a:prstGeom prst="rect">
-                <a:avLst/>
-              </a:prstGeom>
-            </p:spPr>
-          </p:pic>
-        </mc:Fallback>
-      </mc:AlternateContent>
-      <mc:AlternateContent xmlns:mc="http://schemas.openxmlformats.org/markup-compatibility/2006" xmlns:p14="http://schemas.microsoft.com/office/powerpoint/2010/main">
-        <mc:Choice Requires="p14">
-          <p:contentPart p14:bwMode="auto" r:id="rId5">
-            <p14:nvContentPartPr>
-              <p14:cNvPr id="8" name="Ink 7">
-                <a:extLst>
-                  <a:ext uri="{FF2B5EF4-FFF2-40B4-BE49-F238E27FC236}">
-                    <a16:creationId xmlns:a16="http://schemas.microsoft.com/office/drawing/2014/main" id="{9E733124-2AD4-42DD-982C-C132512F7329}"/>
-                  </a:ext>
-                </a:extLst>
-              </p14:cNvPr>
-              <p14:cNvContentPartPr/>
-              <p14:nvPr/>
-            </p14:nvContentPartPr>
-            <p14:xfrm>
-              <a:off x="8131593" y="3461428"/>
-              <a:ext cx="275040" cy="18360"/>
-            </p14:xfrm>
-          </p:contentPart>
-        </mc:Choice>
-        <mc:Fallback xmlns="">
-          <p:pic>
-            <p:nvPicPr>
-              <p:cNvPr id="8" name="Ink 7">
-                <a:extLst>
-                  <a:ext uri="{FF2B5EF4-FFF2-40B4-BE49-F238E27FC236}">
-                    <a16:creationId xmlns:a16="http://schemas.microsoft.com/office/drawing/2014/main" id="{9E733124-2AD4-42DD-982C-C132512F7329}"/>
-                  </a:ext>
-                </a:extLst>
-              </p:cNvPr>
-              <p:cNvPicPr/>
-              <p:nvPr/>
-            </p:nvPicPr>
-            <p:blipFill>
-              <a:blip r:embed="rId6"/>
-              <a:stretch>
-                <a:fillRect/>
-              </a:stretch>
-            </p:blipFill>
-            <p:spPr>
-              <a:xfrm>
-                <a:off x="8077953" y="3353788"/>
-                <a:ext cx="382680" cy="234000"/>
-              </a:xfrm>
-              <a:prstGeom prst="rect">
-                <a:avLst/>
-              </a:prstGeom>
-            </p:spPr>
-          </p:pic>
-        </mc:Fallback>
-      </mc:AlternateContent>
-      <mc:AlternateContent xmlns:mc="http://schemas.openxmlformats.org/markup-compatibility/2006" xmlns:p14="http://schemas.microsoft.com/office/powerpoint/2010/main">
-        <mc:Choice Requires="p14">
-          <p:contentPart p14:bwMode="auto" r:id="rId7">
-            <p14:nvContentPartPr>
-              <p14:cNvPr id="9" name="Ink 8">
-                <a:extLst>
-                  <a:ext uri="{FF2B5EF4-FFF2-40B4-BE49-F238E27FC236}">
-                    <a16:creationId xmlns:a16="http://schemas.microsoft.com/office/drawing/2014/main" id="{909C8F22-C138-4B0B-B142-D6649F3127F4}"/>
-                  </a:ext>
-                </a:extLst>
-              </p14:cNvPr>
-              <p14:cNvContentPartPr/>
-              <p14:nvPr/>
-            </p14:nvContentPartPr>
-            <p14:xfrm>
-              <a:off x="10333353" y="3478708"/>
-              <a:ext cx="540720" cy="19440"/>
-            </p14:xfrm>
-          </p:contentPart>
-        </mc:Choice>
-        <mc:Fallback xmlns="">
-          <p:pic>
-            <p:nvPicPr>
-              <p:cNvPr id="9" name="Ink 8">
-                <a:extLst>
-                  <a:ext uri="{FF2B5EF4-FFF2-40B4-BE49-F238E27FC236}">
-                    <a16:creationId xmlns:a16="http://schemas.microsoft.com/office/drawing/2014/main" id="{909C8F22-C138-4B0B-B142-D6649F3127F4}"/>
-                  </a:ext>
-                </a:extLst>
-              </p:cNvPr>
-              <p:cNvPicPr/>
-              <p:nvPr/>
-            </p:nvPicPr>
-            <p:blipFill>
-              <a:blip r:embed="rId8"/>
-              <a:stretch>
-                <a:fillRect/>
-              </a:stretch>
-            </p:blipFill>
-            <p:spPr>
-              <a:xfrm>
-                <a:off x="10279353" y="3371068"/>
-                <a:ext cx="648360" cy="235080"/>
-              </a:xfrm>
-              <a:prstGeom prst="rect">
-                <a:avLst/>
-              </a:prstGeom>
-            </p:spPr>
-          </p:pic>
-        </mc:Fallback>
-      </mc:AlternateContent>
+              <a:t>Slide about the SVM model.</a:t>
+            </a:r>
+          </a:p>
+        </p:txBody>
+      </p:sp>
     </p:spTree>
     <p:extLst>
       <p:ext uri="{BB962C8B-B14F-4D97-AF65-F5344CB8AC3E}">
-        <p14:creationId xmlns:p14="http://schemas.microsoft.com/office/powerpoint/2010/main" val="2796607807"/>
+        <p14:creationId xmlns:p14="http://schemas.microsoft.com/office/powerpoint/2010/main" val="997546534"/>
       </p:ext>
     </p:extLst>
   </p:cSld>
@@ -5929,7 +5317,7 @@
           <p:cNvPr id="2" name="Title 1">
             <a:extLst>
               <a:ext uri="{FF2B5EF4-FFF2-40B4-BE49-F238E27FC236}">
-                <a16:creationId xmlns:a16="http://schemas.microsoft.com/office/drawing/2014/main" id="{FA4AB6C3-92BB-4037-AEA9-274E1F236EFD}"/>
+                <a16:creationId xmlns:a16="http://schemas.microsoft.com/office/drawing/2014/main" id="{DBCA3876-44B7-49CA-9FEB-927574AFCB44}"/>
               </a:ext>
             </a:extLst>
           </p:cNvPr>
@@ -5947,17 +5335,17 @@
           <a:p>
             <a:r>
               <a:rPr lang="en-US" dirty="0"/>
-              <a:t>Future Work</a:t>
-            </a:r>
-          </a:p>
-        </p:txBody>
-      </p:sp>
-      <p:sp>
-        <p:nvSpPr>
-          <p:cNvPr id="3" name="Content Placeholder 2">
-            <a:extLst>
-              <a:ext uri="{FF2B5EF4-FFF2-40B4-BE49-F238E27FC236}">
-                <a16:creationId xmlns:a16="http://schemas.microsoft.com/office/drawing/2014/main" id="{BBC5225E-D4DB-4F10-A8BB-4E92DBA47ABA}"/>
+              <a:t>Results</a:t>
+            </a:r>
+          </a:p>
+        </p:txBody>
+      </p:sp>
+      <p:sp>
+        <p:nvSpPr>
+          <p:cNvPr id="4" name="Content Placeholder 3">
+            <a:extLst>
+              <a:ext uri="{FF2B5EF4-FFF2-40B4-BE49-F238E27FC236}">
+                <a16:creationId xmlns:a16="http://schemas.microsoft.com/office/drawing/2014/main" id="{DBB6BB24-F156-4E77-8401-53B6F2DF1989}"/>
               </a:ext>
             </a:extLst>
           </p:cNvPr>
@@ -5973,23 +5361,14 @@
           <a:bodyPr/>
           <a:lstStyle/>
           <a:p>
-            <a:r>
-              <a:rPr lang="en-US" dirty="0"/>
-              <a:t>In the future, these models could easily be improved with a greater amount of input data with more features within that data. Examples include quality of the vehicle, the number of doors, how many the car seats, and the size of the engine. More features will always allow for the model to pinpoint a closer price estimate to a given input.</a:t>
-            </a:r>
-          </a:p>
-          <a:p>
-            <a:r>
-              <a:rPr lang="en-US" dirty="0"/>
-              <a:t>In addition to more data, further tweaking of hyperparameters on an ANN will improve efficiency, although at the cost of training time.</a:t>
-            </a:r>
+            <a:endParaRPr lang="en-US" dirty="0"/>
           </a:p>
         </p:txBody>
       </p:sp>
     </p:spTree>
     <p:extLst>
       <p:ext uri="{BB962C8B-B14F-4D97-AF65-F5344CB8AC3E}">
-        <p14:creationId xmlns:p14="http://schemas.microsoft.com/office/powerpoint/2010/main" val="1737834007"/>
+        <p14:creationId xmlns:p14="http://schemas.microsoft.com/office/powerpoint/2010/main" val="1808139690"/>
       </p:ext>
     </p:extLst>
   </p:cSld>

--- a/Project-Final Presentation-CS4267-Parker Smith.pptx
+++ b/Project-Final Presentation-CS4267-Parker Smith.pptx
@@ -9,15 +9,17 @@
     <p:sldId id="258" r:id="rId3"/>
     <p:sldId id="259" r:id="rId4"/>
     <p:sldId id="261" r:id="rId5"/>
-    <p:sldId id="263" r:id="rId6"/>
-    <p:sldId id="268" r:id="rId7"/>
-    <p:sldId id="269" r:id="rId8"/>
-    <p:sldId id="270" r:id="rId9"/>
-    <p:sldId id="262" r:id="rId10"/>
-    <p:sldId id="271" r:id="rId11"/>
-    <p:sldId id="266" r:id="rId12"/>
-    <p:sldId id="265" r:id="rId13"/>
-    <p:sldId id="267" r:id="rId14"/>
+    <p:sldId id="273" r:id="rId6"/>
+    <p:sldId id="272" r:id="rId7"/>
+    <p:sldId id="263" r:id="rId8"/>
+    <p:sldId id="268" r:id="rId9"/>
+    <p:sldId id="269" r:id="rId10"/>
+    <p:sldId id="270" r:id="rId11"/>
+    <p:sldId id="262" r:id="rId12"/>
+    <p:sldId id="271" r:id="rId13"/>
+    <p:sldId id="266" r:id="rId14"/>
+    <p:sldId id="265" r:id="rId15"/>
+    <p:sldId id="267" r:id="rId16"/>
   </p:sldIdLst>
   <p:sldSz cx="12192000" cy="6858000"/>
   <p:notesSz cx="6858000" cy="9144000"/>
@@ -368,7 +370,7 @@
           <a:p>
             <a:fld id="{9184DA70-C731-4C70-880D-CCD4705E623C}" type="datetime1">
               <a:rPr lang="en-US" smtClean="0"/>
-              <a:t>4/21/2022</a:t>
+              <a:t>4/23/2022</a:t>
             </a:fld>
             <a:endParaRPr lang="en-US" dirty="0"/>
           </a:p>
@@ -556,7 +558,7 @@
           <a:p>
             <a:fld id="{B612A279-0833-481D-8C56-F67FD0AC6C50}" type="datetime1">
               <a:rPr lang="en-US" smtClean="0"/>
-              <a:t>4/21/2022</a:t>
+              <a:t>4/23/2022</a:t>
             </a:fld>
             <a:endParaRPr lang="en-US" dirty="0"/>
           </a:p>
@@ -798,7 +800,7 @@
           <a:p>
             <a:fld id="{6587DA83-5663-4C9C-B9AA-0B40A3DAFF81}" type="datetime1">
               <a:rPr lang="en-US" smtClean="0"/>
-              <a:t>4/21/2022</a:t>
+              <a:t>4/23/2022</a:t>
             </a:fld>
             <a:endParaRPr lang="en-US" dirty="0"/>
           </a:p>
@@ -986,7 +988,7 @@
           <a:p>
             <a:fld id="{4BE1D723-8F53-4F53-90B0-1982A396982E}" type="datetime1">
               <a:rPr lang="en-US" smtClean="0"/>
-              <a:t>4/21/2022</a:t>
+              <a:t>4/23/2022</a:t>
             </a:fld>
             <a:endParaRPr lang="en-US" dirty="0"/>
           </a:p>
@@ -1359,7 +1361,7 @@
           <a:p>
             <a:fld id="{97669AF7-7BEB-44E4-9852-375E34362B5B}" type="datetime1">
               <a:rPr lang="en-US" smtClean="0"/>
-              <a:t>4/21/2022</a:t>
+              <a:t>4/23/2022</a:t>
             </a:fld>
             <a:endParaRPr lang="en-US" dirty="0"/>
           </a:p>
@@ -1614,7 +1616,7 @@
           <a:p>
             <a:fld id="{BAAAC38D-0552-4C82-B593-E6124DFADBE2}" type="datetime1">
               <a:rPr lang="en-US" smtClean="0"/>
-              <a:t>4/21/2022</a:t>
+              <a:t>4/23/2022</a:t>
             </a:fld>
             <a:endParaRPr lang="en-US" dirty="0"/>
           </a:p>
@@ -2011,7 +2013,7 @@
           <a:p>
             <a:fld id="{D9DF0F1C-5577-4ACB-BB62-DF8F3C494C7E}" type="datetime1">
               <a:rPr lang="en-US" smtClean="0"/>
-              <a:t>4/21/2022</a:t>
+              <a:t>4/23/2022</a:t>
             </a:fld>
             <a:endParaRPr lang="en-US" dirty="0"/>
           </a:p>
@@ -2147,7 +2149,7 @@
           <a:p>
             <a:fld id="{1775B394-D9F9-4F0C-B15D-605F45CB9E9F}" type="datetime1">
               <a:rPr lang="en-US" smtClean="0"/>
-              <a:t>4/21/2022</a:t>
+              <a:t>4/23/2022</a:t>
             </a:fld>
             <a:endParaRPr lang="en-US" dirty="0"/>
           </a:p>
@@ -2304,7 +2306,7 @@
           <a:p>
             <a:fld id="{39667345-2558-425A-8533-9BFDBCE15005}" type="datetime1">
               <a:rPr lang="en-US" smtClean="0"/>
-              <a:t>4/21/2022</a:t>
+              <a:t>4/23/2022</a:t>
             </a:fld>
             <a:endParaRPr lang="en-US" dirty="0"/>
           </a:p>
@@ -2633,7 +2635,7 @@
           <a:p>
             <a:fld id="{92BEA474-078D-4E9B-9B14-09A87B19DC46}" type="datetime1">
               <a:rPr lang="en-US" smtClean="0"/>
-              <a:t>4/21/2022</a:t>
+              <a:t>4/23/2022</a:t>
             </a:fld>
             <a:endParaRPr lang="en-US" dirty="0"/>
           </a:p>
@@ -2983,7 +2985,7 @@
           <a:p>
             <a:fld id="{4907D986-8816-4272-A432-0437A28A9828}" type="datetime1">
               <a:rPr lang="en-US" smtClean="0"/>
-              <a:t>4/21/2022</a:t>
+              <a:t>4/23/2022</a:t>
             </a:fld>
             <a:endParaRPr lang="en-US" dirty="0"/>
           </a:p>
@@ -3244,7 +3246,7 @@
           <a:p>
             <a:fld id="{62D6E202-B606-4609-B914-27C9371A1F6D}" type="datetime1">
               <a:rPr lang="en-US" smtClean="0"/>
-              <a:t>4/21/2022</a:t>
+              <a:t>4/23/2022</a:t>
             </a:fld>
             <a:endParaRPr lang="en-US" dirty="0"/>
           </a:p>
@@ -4052,7 +4054,7 @@
           <p:cNvPr id="2" name="Title 1">
             <a:extLst>
               <a:ext uri="{FF2B5EF4-FFF2-40B4-BE49-F238E27FC236}">
-                <a16:creationId xmlns:a16="http://schemas.microsoft.com/office/drawing/2014/main" id="{DBCA3876-44B7-49CA-9FEB-927574AFCB44}"/>
+                <a16:creationId xmlns:a16="http://schemas.microsoft.com/office/drawing/2014/main" id="{472D1A18-9188-4AF9-9797-2B64492321C4}"/>
               </a:ext>
             </a:extLst>
           </p:cNvPr>
@@ -4065,45 +4067,82 @@
         </p:nvSpPr>
         <p:spPr/>
         <p:txBody>
+          <a:bodyPr>
+            <a:normAutofit/>
+          </a:bodyPr>
+          <a:lstStyle/>
+          <a:p>
+            <a:r>
+              <a:rPr lang="en-US" dirty="0"/>
+              <a:t>Performed Tests – SVM</a:t>
+            </a:r>
+          </a:p>
+        </p:txBody>
+      </p:sp>
+      <p:sp>
+        <p:nvSpPr>
+          <p:cNvPr id="3" name="Content Placeholder 2">
+            <a:extLst>
+              <a:ext uri="{FF2B5EF4-FFF2-40B4-BE49-F238E27FC236}">
+                <a16:creationId xmlns:a16="http://schemas.microsoft.com/office/drawing/2014/main" id="{E26CA3E8-D20B-4B11-BE12-5621D0E15FF7}"/>
+              </a:ext>
+            </a:extLst>
+          </p:cNvPr>
+          <p:cNvSpPr>
+            <a:spLocks noGrp="1"/>
+          </p:cNvSpPr>
+          <p:nvPr>
+            <p:ph idx="1"/>
+          </p:nvPr>
+        </p:nvSpPr>
+        <p:spPr/>
+        <p:txBody>
           <a:bodyPr/>
           <a:lstStyle/>
           <a:p>
             <a:r>
               <a:rPr lang="en-US" dirty="0"/>
-              <a:t>Results (cont.)</a:t>
-            </a:r>
-          </a:p>
-        </p:txBody>
-      </p:sp>
-      <p:sp>
-        <p:nvSpPr>
-          <p:cNvPr id="4" name="Content Placeholder 3">
-            <a:extLst>
-              <a:ext uri="{FF2B5EF4-FFF2-40B4-BE49-F238E27FC236}">
-                <a16:creationId xmlns:a16="http://schemas.microsoft.com/office/drawing/2014/main" id="{DBB6BB24-F156-4E77-8401-53B6F2DF1989}"/>
-              </a:ext>
-            </a:extLst>
-          </p:cNvPr>
-          <p:cNvSpPr>
-            <a:spLocks noGrp="1"/>
-          </p:cNvSpPr>
-          <p:nvPr>
-            <p:ph idx="1"/>
-          </p:nvPr>
-        </p:nvSpPr>
-        <p:spPr/>
-        <p:txBody>
-          <a:bodyPr/>
-          <a:lstStyle/>
-          <a:p>
-            <a:endParaRPr lang="en-US" dirty="0"/>
+              <a:t>The second model I chose, due to its heavy use in machine learning, was a linear SVM model.</a:t>
+            </a:r>
+          </a:p>
+          <a:p>
+            <a:r>
+              <a:rPr lang="en-US" dirty="0"/>
+              <a:t>This model also used 4 continuous features and 8 categorical features like the Linear Regression model. It ran with a 90% training and 10% testing split.</a:t>
+            </a:r>
+          </a:p>
+          <a:p>
+            <a:r>
+              <a:rPr lang="en-US" dirty="0"/>
+              <a:t>The SVM model used a linear kernel to emulate linear regression, and the tolerance value for the SVM was set to be .075.</a:t>
+            </a:r>
+          </a:p>
+          <a:p>
+            <a:r>
+              <a:rPr lang="en-US" dirty="0"/>
+              <a:t>Finally, before any data was inputted to the SVM, it had to be standardized to be between -1 and 1.</a:t>
+            </a:r>
+          </a:p>
+          <a:p>
+            <a:r>
+              <a:rPr lang="en-US" dirty="0"/>
+              <a:t>The accuracy of the model is measured using R</a:t>
+            </a:r>
+            <a:r>
+              <a:rPr lang="en-US" baseline="30000" dirty="0"/>
+              <a:t>2</a:t>
+            </a:r>
+            <a:r>
+              <a:rPr lang="en-US" dirty="0"/>
+              <a:t> accuracy, MSE, RMSE, and training time.</a:t>
+            </a:r>
           </a:p>
         </p:txBody>
       </p:sp>
     </p:spTree>
     <p:extLst>
       <p:ext uri="{BB962C8B-B14F-4D97-AF65-F5344CB8AC3E}">
-        <p14:creationId xmlns:p14="http://schemas.microsoft.com/office/powerpoint/2010/main" val="3997771693"/>
+        <p14:creationId xmlns:p14="http://schemas.microsoft.com/office/powerpoint/2010/main" val="997546534"/>
       </p:ext>
     </p:extLst>
   </p:cSld>
@@ -4135,7 +4174,7 @@
           <p:cNvPr id="2" name="Title 1">
             <a:extLst>
               <a:ext uri="{FF2B5EF4-FFF2-40B4-BE49-F238E27FC236}">
-                <a16:creationId xmlns:a16="http://schemas.microsoft.com/office/drawing/2014/main" id="{DD6AC106-3537-48C0-8DB9-E8F05852698E}"/>
+                <a16:creationId xmlns:a16="http://schemas.microsoft.com/office/drawing/2014/main" id="{DBCA3876-44B7-49CA-9FEB-927574AFCB44}"/>
               </a:ext>
             </a:extLst>
           </p:cNvPr>
@@ -4153,7 +4192,7 @@
           <a:p>
             <a:r>
               <a:rPr lang="en-US" dirty="0"/>
-              <a:t>Conclusion</a:t>
+              <a:t>Results</a:t>
             </a:r>
           </a:p>
         </p:txBody>
@@ -4163,15 +4202,15 @@
           <p:cNvPr id="3" name="Content Placeholder 2">
             <a:extLst>
               <a:ext uri="{FF2B5EF4-FFF2-40B4-BE49-F238E27FC236}">
-                <a16:creationId xmlns:a16="http://schemas.microsoft.com/office/drawing/2014/main" id="{C7FC2CED-B693-4023-B1F8-EA651804A7A9}"/>
-              </a:ext>
-            </a:extLst>
-          </p:cNvPr>
-          <p:cNvSpPr>
-            <a:spLocks noGrp="1"/>
-          </p:cNvSpPr>
-          <p:nvPr>
-            <p:ph idx="1"/>
+                <a16:creationId xmlns:a16="http://schemas.microsoft.com/office/drawing/2014/main" id="{0BDD79EE-F827-4269-9337-BED18FC03E63}"/>
+              </a:ext>
+            </a:extLst>
+          </p:cNvPr>
+          <p:cNvSpPr>
+            <a:spLocks noGrp="1"/>
+          </p:cNvSpPr>
+          <p:nvPr>
+            <p:ph sz="half" idx="1"/>
           </p:nvPr>
         </p:nvSpPr>
         <p:spPr/>
@@ -4181,15 +4220,368 @@
           <a:p>
             <a:r>
               <a:rPr lang="en-US" dirty="0"/>
-              <a:t>Conclusion from Paper</a:t>
-            </a:r>
-          </a:p>
-        </p:txBody>
-      </p:sp>
+              <a:t>Both models ultimately had remarkably similar results: around 97% accuracy, 1,450 RMSE, and a training time of less than a minute.</a:t>
+            </a:r>
+          </a:p>
+          <a:p>
+            <a:r>
+              <a:rPr lang="en-US" dirty="0"/>
+              <a:t>The RMSE is an important result factor as it has the same unit as the dependent variable (in this case, the selling price). Therefore, this shows that both models will have a + or - $1,450 error when it estimates a car’s value.</a:t>
+            </a:r>
+          </a:p>
+        </p:txBody>
+      </p:sp>
+      <p:graphicFrame>
+        <p:nvGraphicFramePr>
+          <p:cNvPr id="6" name="Table 6">
+            <a:extLst>
+              <a:ext uri="{FF2B5EF4-FFF2-40B4-BE49-F238E27FC236}">
+                <a16:creationId xmlns:a16="http://schemas.microsoft.com/office/drawing/2014/main" id="{2D6DCFE4-AD70-4350-8054-9B7A7EBC514E}"/>
+              </a:ext>
+            </a:extLst>
+          </p:cNvPr>
+          <p:cNvGraphicFramePr>
+            <a:graphicFrameLocks noGrp="1"/>
+          </p:cNvGraphicFramePr>
+          <p:nvPr>
+            <p:ph sz="half" idx="2"/>
+            <p:extLst>
+              <p:ext uri="{D42A27DB-BD31-4B8C-83A1-F6EECF244321}">
+                <p14:modId xmlns:p14="http://schemas.microsoft.com/office/powerpoint/2010/main" val="1489700984"/>
+              </p:ext>
+            </p:extLst>
+          </p:nvPr>
+        </p:nvGraphicFramePr>
+        <p:xfrm>
+          <a:off x="6517005" y="2808816"/>
+          <a:ext cx="4638675" cy="2372360"/>
+        </p:xfrm>
+        <a:graphic>
+          <a:graphicData uri="http://schemas.openxmlformats.org/drawingml/2006/table">
+            <a:tbl>
+              <a:tblPr firstRow="1" bandRow="1">
+                <a:tableStyleId>{5C22544A-7EE6-4342-B048-85BDC9FD1C3A}</a:tableStyleId>
+              </a:tblPr>
+              <a:tblGrid>
+                <a:gridCol w="1546225">
+                  <a:extLst>
+                    <a:ext uri="{9D8B030D-6E8A-4147-A177-3AD203B41FA5}">
+                      <a16:colId xmlns:a16="http://schemas.microsoft.com/office/drawing/2014/main" val="1653173488"/>
+                    </a:ext>
+                  </a:extLst>
+                </a:gridCol>
+                <a:gridCol w="1546225">
+                  <a:extLst>
+                    <a:ext uri="{9D8B030D-6E8A-4147-A177-3AD203B41FA5}">
+                      <a16:colId xmlns:a16="http://schemas.microsoft.com/office/drawing/2014/main" val="143124233"/>
+                    </a:ext>
+                  </a:extLst>
+                </a:gridCol>
+                <a:gridCol w="1546225">
+                  <a:extLst>
+                    <a:ext uri="{9D8B030D-6E8A-4147-A177-3AD203B41FA5}">
+                      <a16:colId xmlns:a16="http://schemas.microsoft.com/office/drawing/2014/main" val="614196786"/>
+                    </a:ext>
+                  </a:extLst>
+                </a:gridCol>
+              </a:tblGrid>
+              <a:tr h="370840">
+                <a:tc>
+                  <a:txBody>
+                    <a:bodyPr/>
+                    <a:lstStyle/>
+                    <a:p>
+                      <a:endParaRPr lang="en-US" sz="1400" dirty="0"/>
+                    </a:p>
+                  </a:txBody>
+                  <a:tcPr/>
+                </a:tc>
+                <a:tc>
+                  <a:txBody>
+                    <a:bodyPr/>
+                    <a:lstStyle/>
+                    <a:p>
+                      <a:r>
+                        <a:rPr lang="en-US" sz="1400" dirty="0"/>
+                        <a:t>Linear Regression</a:t>
+                      </a:r>
+                    </a:p>
+                  </a:txBody>
+                  <a:tcPr/>
+                </a:tc>
+                <a:tc>
+                  <a:txBody>
+                    <a:bodyPr/>
+                    <a:lstStyle/>
+                    <a:p>
+                      <a:r>
+                        <a:rPr lang="en-US" sz="1400" dirty="0"/>
+                        <a:t>SVM</a:t>
+                      </a:r>
+                    </a:p>
+                  </a:txBody>
+                  <a:tcPr/>
+                </a:tc>
+                <a:extLst>
+                  <a:ext uri="{0D108BD9-81ED-4DB2-BD59-A6C34878D82A}">
+                    <a16:rowId xmlns:a16="http://schemas.microsoft.com/office/drawing/2014/main" val="1408519899"/>
+                  </a:ext>
+                </a:extLst>
+              </a:tr>
+              <a:tr h="370840">
+                <a:tc>
+                  <a:txBody>
+                    <a:bodyPr/>
+                    <a:lstStyle/>
+                    <a:p>
+                      <a:r>
+                        <a:rPr lang="en-US" sz="1400" dirty="0"/>
+                        <a:t>R</a:t>
+                      </a:r>
+                      <a:r>
+                        <a:rPr lang="en-US" sz="1400" baseline="30000" dirty="0"/>
+                        <a:t>2</a:t>
+                      </a:r>
+                      <a:r>
+                        <a:rPr lang="en-US" sz="1400" dirty="0"/>
+                        <a:t> Test Accuracy</a:t>
+                      </a:r>
+                    </a:p>
+                  </a:txBody>
+                  <a:tcPr/>
+                </a:tc>
+                <a:tc>
+                  <a:txBody>
+                    <a:bodyPr/>
+                    <a:lstStyle/>
+                    <a:p>
+                      <a:r>
+                        <a:rPr lang="en-US" sz="1400" dirty="0"/>
+                        <a:t>96.84%</a:t>
+                      </a:r>
+                    </a:p>
+                  </a:txBody>
+                  <a:tcPr/>
+                </a:tc>
+                <a:tc>
+                  <a:txBody>
+                    <a:bodyPr/>
+                    <a:lstStyle/>
+                    <a:p>
+                      <a:r>
+                        <a:rPr lang="en-US" sz="1400" dirty="0"/>
+                        <a:t>96.74%</a:t>
+                      </a:r>
+                    </a:p>
+                  </a:txBody>
+                  <a:tcPr/>
+                </a:tc>
+                <a:extLst>
+                  <a:ext uri="{0D108BD9-81ED-4DB2-BD59-A6C34878D82A}">
+                    <a16:rowId xmlns:a16="http://schemas.microsoft.com/office/drawing/2014/main" val="949442040"/>
+                  </a:ext>
+                </a:extLst>
+              </a:tr>
+              <a:tr h="370840">
+                <a:tc>
+                  <a:txBody>
+                    <a:bodyPr/>
+                    <a:lstStyle/>
+                    <a:p>
+                      <a:r>
+                        <a:rPr lang="en-US" sz="1400" dirty="0"/>
+                        <a:t>R</a:t>
+                      </a:r>
+                      <a:r>
+                        <a:rPr lang="en-US" sz="1400" baseline="30000" dirty="0"/>
+                        <a:t>2</a:t>
+                      </a:r>
+                      <a:r>
+                        <a:rPr lang="en-US" sz="1400" dirty="0"/>
+                        <a:t> Training Accuracy</a:t>
+                      </a:r>
+                    </a:p>
+                  </a:txBody>
+                  <a:tcPr/>
+                </a:tc>
+                <a:tc>
+                  <a:txBody>
+                    <a:bodyPr/>
+                    <a:lstStyle/>
+                    <a:p>
+                      <a:r>
+                        <a:rPr lang="en-US" sz="1400" dirty="0"/>
+                        <a:t>96.84%</a:t>
+                      </a:r>
+                    </a:p>
+                  </a:txBody>
+                  <a:tcPr/>
+                </a:tc>
+                <a:tc>
+                  <a:txBody>
+                    <a:bodyPr/>
+                    <a:lstStyle/>
+                    <a:p>
+                      <a:r>
+                        <a:rPr lang="en-US" sz="1400" dirty="0"/>
+                        <a:t>96.72%</a:t>
+                      </a:r>
+                    </a:p>
+                  </a:txBody>
+                  <a:tcPr/>
+                </a:tc>
+                <a:extLst>
+                  <a:ext uri="{0D108BD9-81ED-4DB2-BD59-A6C34878D82A}">
+                    <a16:rowId xmlns:a16="http://schemas.microsoft.com/office/drawing/2014/main" val="4115214523"/>
+                  </a:ext>
+                </a:extLst>
+              </a:tr>
+              <a:tr h="370840">
+                <a:tc>
+                  <a:txBody>
+                    <a:bodyPr/>
+                    <a:lstStyle/>
+                    <a:p>
+                      <a:r>
+                        <a:rPr lang="en-US" sz="1400" dirty="0"/>
+                        <a:t>MSE Loss</a:t>
+                      </a:r>
+                    </a:p>
+                  </a:txBody>
+                  <a:tcPr/>
+                </a:tc>
+                <a:tc>
+                  <a:txBody>
+                    <a:bodyPr/>
+                    <a:lstStyle/>
+                    <a:p>
+                      <a:r>
+                        <a:rPr lang="en-US" sz="1400" dirty="0"/>
+                        <a:t>2,022,285</a:t>
+                      </a:r>
+                    </a:p>
+                  </a:txBody>
+                  <a:tcPr/>
+                </a:tc>
+                <a:tc>
+                  <a:txBody>
+                    <a:bodyPr/>
+                    <a:lstStyle/>
+                    <a:p>
+                      <a:r>
+                        <a:rPr lang="en-US" sz="1400" dirty="0"/>
+                        <a:t>2,097,970</a:t>
+                      </a:r>
+                    </a:p>
+                  </a:txBody>
+                  <a:tcPr/>
+                </a:tc>
+                <a:extLst>
+                  <a:ext uri="{0D108BD9-81ED-4DB2-BD59-A6C34878D82A}">
+                    <a16:rowId xmlns:a16="http://schemas.microsoft.com/office/drawing/2014/main" val="2858703124"/>
+                  </a:ext>
+                </a:extLst>
+              </a:tr>
+              <a:tr h="370840">
+                <a:tc>
+                  <a:txBody>
+                    <a:bodyPr/>
+                    <a:lstStyle/>
+                    <a:p>
+                      <a:r>
+                        <a:rPr lang="en-US" sz="1400" dirty="0"/>
+                        <a:t>RMSE Loss</a:t>
+                      </a:r>
+                    </a:p>
+                  </a:txBody>
+                  <a:tcPr/>
+                </a:tc>
+                <a:tc>
+                  <a:txBody>
+                    <a:bodyPr/>
+                    <a:lstStyle/>
+                    <a:p>
+                      <a:r>
+                        <a:rPr lang="en-US" sz="1400" dirty="0"/>
+                        <a:t>1,422.07</a:t>
+                      </a:r>
+                    </a:p>
+                  </a:txBody>
+                  <a:tcPr/>
+                </a:tc>
+                <a:tc>
+                  <a:txBody>
+                    <a:bodyPr/>
+                    <a:lstStyle/>
+                    <a:p>
+                      <a:r>
+                        <a:rPr lang="en-US" sz="1400" dirty="0"/>
+                        <a:t>1,448.44</a:t>
+                      </a:r>
+                    </a:p>
+                  </a:txBody>
+                  <a:tcPr/>
+                </a:tc>
+                <a:extLst>
+                  <a:ext uri="{0D108BD9-81ED-4DB2-BD59-A6C34878D82A}">
+                    <a16:rowId xmlns:a16="http://schemas.microsoft.com/office/drawing/2014/main" val="3540711673"/>
+                  </a:ext>
+                </a:extLst>
+              </a:tr>
+              <a:tr h="370840">
+                <a:tc>
+                  <a:txBody>
+                    <a:bodyPr/>
+                    <a:lstStyle/>
+                    <a:p>
+                      <a:r>
+                        <a:rPr lang="en-US" sz="1400" dirty="0"/>
+                        <a:t>Training Time</a:t>
+                      </a:r>
+                    </a:p>
+                  </a:txBody>
+                  <a:tcPr/>
+                </a:tc>
+                <a:tc>
+                  <a:txBody>
+                    <a:bodyPr/>
+                    <a:lstStyle/>
+                    <a:p>
+                      <a:r>
+                        <a:rPr lang="en-US" sz="1400" dirty="0"/>
+                        <a:t>44 Seconds</a:t>
+                      </a:r>
+                    </a:p>
+                  </a:txBody>
+                  <a:tcPr/>
+                </a:tc>
+                <a:tc>
+                  <a:txBody>
+                    <a:bodyPr/>
+                    <a:lstStyle/>
+                    <a:p>
+                      <a:r>
+                        <a:rPr lang="en-US" sz="1400" dirty="0"/>
+                        <a:t>38 Seconds</a:t>
+                      </a:r>
+                    </a:p>
+                  </a:txBody>
+                  <a:tcPr/>
+                </a:tc>
+                <a:extLst>
+                  <a:ext uri="{0D108BD9-81ED-4DB2-BD59-A6C34878D82A}">
+                    <a16:rowId xmlns:a16="http://schemas.microsoft.com/office/drawing/2014/main" val="3483977743"/>
+                  </a:ext>
+                </a:extLst>
+              </a:tr>
+            </a:tbl>
+          </a:graphicData>
+        </a:graphic>
+      </p:graphicFrame>
     </p:spTree>
     <p:extLst>
       <p:ext uri="{BB962C8B-B14F-4D97-AF65-F5344CB8AC3E}">
-        <p14:creationId xmlns:p14="http://schemas.microsoft.com/office/powerpoint/2010/main" val="1657771336"/>
+        <p14:creationId xmlns:p14="http://schemas.microsoft.com/office/powerpoint/2010/main" val="1808139690"/>
       </p:ext>
     </p:extLst>
   </p:cSld>
@@ -4221,7 +4613,7 @@
           <p:cNvPr id="2" name="Title 1">
             <a:extLst>
               <a:ext uri="{FF2B5EF4-FFF2-40B4-BE49-F238E27FC236}">
-                <a16:creationId xmlns:a16="http://schemas.microsoft.com/office/drawing/2014/main" id="{FA4AB6C3-92BB-4037-AEA9-274E1F236EFD}"/>
+                <a16:creationId xmlns:a16="http://schemas.microsoft.com/office/drawing/2014/main" id="{DBCA3876-44B7-49CA-9FEB-927574AFCB44}"/>
               </a:ext>
             </a:extLst>
           </p:cNvPr>
@@ -4239,17 +4631,17 @@
           <a:p>
             <a:r>
               <a:rPr lang="en-US" dirty="0"/>
-              <a:t>Future Work</a:t>
-            </a:r>
-          </a:p>
-        </p:txBody>
-      </p:sp>
-      <p:sp>
-        <p:nvSpPr>
-          <p:cNvPr id="3" name="Content Placeholder 2">
-            <a:extLst>
-              <a:ext uri="{FF2B5EF4-FFF2-40B4-BE49-F238E27FC236}">
-                <a16:creationId xmlns:a16="http://schemas.microsoft.com/office/drawing/2014/main" id="{BBC5225E-D4DB-4F10-A8BB-4E92DBA47ABA}"/>
+              <a:t>Results (cont.)</a:t>
+            </a:r>
+          </a:p>
+        </p:txBody>
+      </p:sp>
+      <p:sp>
+        <p:nvSpPr>
+          <p:cNvPr id="4" name="Content Placeholder 3">
+            <a:extLst>
+              <a:ext uri="{FF2B5EF4-FFF2-40B4-BE49-F238E27FC236}">
+                <a16:creationId xmlns:a16="http://schemas.microsoft.com/office/drawing/2014/main" id="{DBB6BB24-F156-4E77-8401-53B6F2DF1989}"/>
               </a:ext>
             </a:extLst>
           </p:cNvPr>
@@ -4260,22 +4652,137 @@
             <p:ph idx="1"/>
           </p:nvPr>
         </p:nvSpPr>
-        <p:spPr/>
-        <p:txBody>
-          <a:bodyPr/>
-          <a:lstStyle/>
-          <a:p>
-            <a:r>
-              <a:rPr lang="en-US" dirty="0"/>
-              <a:t>Future Work from paper</a:t>
-            </a:r>
-          </a:p>
-        </p:txBody>
-      </p:sp>
+        <p:spPr>
+          <a:xfrm>
+            <a:off x="1097280" y="2108201"/>
+            <a:ext cx="10058400" cy="735288"/>
+          </a:xfrm>
+        </p:spPr>
+        <p:txBody>
+          <a:bodyPr>
+            <a:normAutofit/>
+          </a:bodyPr>
+          <a:lstStyle/>
+          <a:p>
+            <a:r>
+              <a:rPr lang="en-US" dirty="0"/>
+              <a:t>Ultimately, this project’s two models performed significantly better than the baseline’s models when compared.</a:t>
+            </a:r>
+          </a:p>
+        </p:txBody>
+      </p:sp>
+      <p:pic>
+        <p:nvPicPr>
+          <p:cNvPr id="7" name="Picture 6" descr="Chart, bar chart&#10;&#10;Description automatically generated">
+            <a:extLst>
+              <a:ext uri="{FF2B5EF4-FFF2-40B4-BE49-F238E27FC236}">
+                <a16:creationId xmlns:a16="http://schemas.microsoft.com/office/drawing/2014/main" id="{F74AAC1F-9192-4A75-AE64-D18803543C3E}"/>
+              </a:ext>
+            </a:extLst>
+          </p:cNvPr>
+          <p:cNvPicPr>
+            <a:picLocks noChangeAspect="1"/>
+          </p:cNvPicPr>
+          <p:nvPr/>
+        </p:nvPicPr>
+        <p:blipFill>
+          <a:blip r:embed="rId2">
+            <a:extLst>
+              <a:ext uri="{28A0092B-C50C-407E-A947-70E740481C1C}">
+                <a14:useLocalDpi xmlns:a14="http://schemas.microsoft.com/office/drawing/2010/main" val="0"/>
+              </a:ext>
+            </a:extLst>
+          </a:blip>
+          <a:stretch>
+            <a:fillRect/>
+          </a:stretch>
+        </p:blipFill>
+        <p:spPr>
+          <a:xfrm>
+            <a:off x="437640" y="3016592"/>
+            <a:ext cx="3780688" cy="2835516"/>
+          </a:xfrm>
+          <a:prstGeom prst="rect">
+            <a:avLst/>
+          </a:prstGeom>
+        </p:spPr>
+      </p:pic>
+      <p:pic>
+        <p:nvPicPr>
+          <p:cNvPr id="9" name="Picture 8" descr="Chart, bar chart&#10;&#10;Description automatically generated">
+            <a:extLst>
+              <a:ext uri="{FF2B5EF4-FFF2-40B4-BE49-F238E27FC236}">
+                <a16:creationId xmlns:a16="http://schemas.microsoft.com/office/drawing/2014/main" id="{C651399A-2FD0-4A55-9963-5BEA46E66873}"/>
+              </a:ext>
+            </a:extLst>
+          </p:cNvPr>
+          <p:cNvPicPr>
+            <a:picLocks noChangeAspect="1"/>
+          </p:cNvPicPr>
+          <p:nvPr/>
+        </p:nvPicPr>
+        <p:blipFill>
+          <a:blip r:embed="rId3">
+            <a:extLst>
+              <a:ext uri="{28A0092B-C50C-407E-A947-70E740481C1C}">
+                <a14:useLocalDpi xmlns:a14="http://schemas.microsoft.com/office/drawing/2010/main" val="0"/>
+              </a:ext>
+            </a:extLst>
+          </a:blip>
+          <a:stretch>
+            <a:fillRect/>
+          </a:stretch>
+        </p:blipFill>
+        <p:spPr>
+          <a:xfrm>
+            <a:off x="4218328" y="3016592"/>
+            <a:ext cx="3780688" cy="2835516"/>
+          </a:xfrm>
+          <a:prstGeom prst="rect">
+            <a:avLst/>
+          </a:prstGeom>
+        </p:spPr>
+      </p:pic>
+      <p:pic>
+        <p:nvPicPr>
+          <p:cNvPr id="11" name="Picture 10" descr="Chart, bar chart&#10;&#10;Description automatically generated">
+            <a:extLst>
+              <a:ext uri="{FF2B5EF4-FFF2-40B4-BE49-F238E27FC236}">
+                <a16:creationId xmlns:a16="http://schemas.microsoft.com/office/drawing/2014/main" id="{1426D1DE-7885-492E-B906-C8213C294171}"/>
+              </a:ext>
+            </a:extLst>
+          </p:cNvPr>
+          <p:cNvPicPr>
+            <a:picLocks noChangeAspect="1"/>
+          </p:cNvPicPr>
+          <p:nvPr/>
+        </p:nvPicPr>
+        <p:blipFill>
+          <a:blip r:embed="rId4">
+            <a:extLst>
+              <a:ext uri="{28A0092B-C50C-407E-A947-70E740481C1C}">
+                <a14:useLocalDpi xmlns:a14="http://schemas.microsoft.com/office/drawing/2010/main" val="0"/>
+              </a:ext>
+            </a:extLst>
+          </a:blip>
+          <a:stretch>
+            <a:fillRect/>
+          </a:stretch>
+        </p:blipFill>
+        <p:spPr>
+          <a:xfrm>
+            <a:off x="7999016" y="3016592"/>
+            <a:ext cx="3780688" cy="2835516"/>
+          </a:xfrm>
+          <a:prstGeom prst="rect">
+            <a:avLst/>
+          </a:prstGeom>
+        </p:spPr>
+      </p:pic>
     </p:spTree>
     <p:extLst>
       <p:ext uri="{BB962C8B-B14F-4D97-AF65-F5344CB8AC3E}">
-        <p14:creationId xmlns:p14="http://schemas.microsoft.com/office/powerpoint/2010/main" val="1737834007"/>
+        <p14:creationId xmlns:p14="http://schemas.microsoft.com/office/powerpoint/2010/main" val="3997771693"/>
       </p:ext>
     </p:extLst>
   </p:cSld>
@@ -4307,6 +4814,214 @@
           <p:cNvPr id="2" name="Title 1">
             <a:extLst>
               <a:ext uri="{FF2B5EF4-FFF2-40B4-BE49-F238E27FC236}">
+                <a16:creationId xmlns:a16="http://schemas.microsoft.com/office/drawing/2014/main" id="{DD6AC106-3537-48C0-8DB9-E8F05852698E}"/>
+              </a:ext>
+            </a:extLst>
+          </p:cNvPr>
+          <p:cNvSpPr>
+            <a:spLocks noGrp="1"/>
+          </p:cNvSpPr>
+          <p:nvPr>
+            <p:ph type="title"/>
+          </p:nvPr>
+        </p:nvSpPr>
+        <p:spPr/>
+        <p:txBody>
+          <a:bodyPr/>
+          <a:lstStyle/>
+          <a:p>
+            <a:r>
+              <a:rPr lang="en-US" dirty="0"/>
+              <a:t>Conclusion</a:t>
+            </a:r>
+          </a:p>
+        </p:txBody>
+      </p:sp>
+      <p:sp>
+        <p:nvSpPr>
+          <p:cNvPr id="3" name="Content Placeholder 2">
+            <a:extLst>
+              <a:ext uri="{FF2B5EF4-FFF2-40B4-BE49-F238E27FC236}">
+                <a16:creationId xmlns:a16="http://schemas.microsoft.com/office/drawing/2014/main" id="{C7FC2CED-B693-4023-B1F8-EA651804A7A9}"/>
+              </a:ext>
+            </a:extLst>
+          </p:cNvPr>
+          <p:cNvSpPr>
+            <a:spLocks noGrp="1"/>
+          </p:cNvSpPr>
+          <p:nvPr>
+            <p:ph idx="1"/>
+          </p:nvPr>
+        </p:nvSpPr>
+        <p:spPr/>
+        <p:txBody>
+          <a:bodyPr/>
+          <a:lstStyle/>
+          <a:p>
+            <a:r>
+              <a:rPr lang="en-US" dirty="0"/>
+              <a:t>This project shows that is completely possible to determine the price of a used car given its features. The results are even very accurate and could be used in a commercial setting.</a:t>
+            </a:r>
+          </a:p>
+          <a:p>
+            <a:r>
+              <a:rPr lang="en-US" dirty="0"/>
+              <a:t>Whether the Linear Regression or SVM model is chosen, both take a short time to train and provide a similar result, a critical aspect in today’s fast-moving world.</a:t>
+            </a:r>
+          </a:p>
+          <a:p>
+            <a:r>
+              <a:rPr lang="en-US" dirty="0"/>
+              <a:t>Certainly, any user, whether it be a consumer, used car salesman, or private seller, can use this project’s findings to determine the price of their car rapidly and with a high degree of confidence.</a:t>
+            </a:r>
+          </a:p>
+        </p:txBody>
+      </p:sp>
+    </p:spTree>
+    <p:extLst>
+      <p:ext uri="{BB962C8B-B14F-4D97-AF65-F5344CB8AC3E}">
+        <p14:creationId xmlns:p14="http://schemas.microsoft.com/office/powerpoint/2010/main" val="1657771336"/>
+      </p:ext>
+    </p:extLst>
+  </p:cSld>
+  <p:clrMapOvr>
+    <a:masterClrMapping/>
+  </p:clrMapOvr>
+</p:sld>
+</file>
+
+<file path=ppt/slides/slide14.xml><?xml version="1.0" encoding="utf-8"?>
+<p:sld xmlns:a="http://schemas.openxmlformats.org/drawingml/2006/main" xmlns:r="http://schemas.openxmlformats.org/officeDocument/2006/relationships" xmlns:p="http://schemas.openxmlformats.org/presentationml/2006/main">
+  <p:cSld>
+    <p:spTree>
+      <p:nvGrpSpPr>
+        <p:cNvPr id="1" name=""/>
+        <p:cNvGrpSpPr/>
+        <p:nvPr/>
+      </p:nvGrpSpPr>
+      <p:grpSpPr>
+        <a:xfrm>
+          <a:off x="0" y="0"/>
+          <a:ext cx="0" cy="0"/>
+          <a:chOff x="0" y="0"/>
+          <a:chExt cx="0" cy="0"/>
+        </a:xfrm>
+      </p:grpSpPr>
+      <p:sp>
+        <p:nvSpPr>
+          <p:cNvPr id="2" name="Title 1">
+            <a:extLst>
+              <a:ext uri="{FF2B5EF4-FFF2-40B4-BE49-F238E27FC236}">
+                <a16:creationId xmlns:a16="http://schemas.microsoft.com/office/drawing/2014/main" id="{FA4AB6C3-92BB-4037-AEA9-274E1F236EFD}"/>
+              </a:ext>
+            </a:extLst>
+          </p:cNvPr>
+          <p:cNvSpPr>
+            <a:spLocks noGrp="1"/>
+          </p:cNvSpPr>
+          <p:nvPr>
+            <p:ph type="title"/>
+          </p:nvPr>
+        </p:nvSpPr>
+        <p:spPr/>
+        <p:txBody>
+          <a:bodyPr/>
+          <a:lstStyle/>
+          <a:p>
+            <a:r>
+              <a:rPr lang="en-US" dirty="0"/>
+              <a:t>Future Work</a:t>
+            </a:r>
+          </a:p>
+        </p:txBody>
+      </p:sp>
+      <p:sp>
+        <p:nvSpPr>
+          <p:cNvPr id="3" name="Content Placeholder 2">
+            <a:extLst>
+              <a:ext uri="{FF2B5EF4-FFF2-40B4-BE49-F238E27FC236}">
+                <a16:creationId xmlns:a16="http://schemas.microsoft.com/office/drawing/2014/main" id="{BBC5225E-D4DB-4F10-A8BB-4E92DBA47ABA}"/>
+              </a:ext>
+            </a:extLst>
+          </p:cNvPr>
+          <p:cNvSpPr>
+            <a:spLocks noGrp="1"/>
+          </p:cNvSpPr>
+          <p:nvPr>
+            <p:ph idx="1"/>
+          </p:nvPr>
+        </p:nvSpPr>
+        <p:spPr/>
+        <p:txBody>
+          <a:bodyPr/>
+          <a:lstStyle/>
+          <a:p>
+            <a:r>
+              <a:rPr lang="en-US" dirty="0"/>
+              <a:t>Dataset with more recent car listings (possibly with more features)</a:t>
+            </a:r>
+          </a:p>
+          <a:p>
+            <a:r>
+              <a:rPr lang="en-US" dirty="0"/>
+              <a:t>Use an internet API to find accident claims based on the vehicle’s VIN number</a:t>
+            </a:r>
+          </a:p>
+          <a:p>
+            <a:r>
+              <a:rPr lang="en-US" dirty="0"/>
+              <a:t>For the SVM model, further optimize the hyperparameters and possibly improve the kernel</a:t>
+            </a:r>
+          </a:p>
+          <a:p>
+            <a:r>
+              <a:rPr lang="en-US" dirty="0"/>
+              <a:t>Front-end GUI to enter some features and get a quick result</a:t>
+            </a:r>
+          </a:p>
+          <a:p>
+            <a:pPr marL="0" indent="0">
+              <a:buNone/>
+            </a:pPr>
+            <a:endParaRPr lang="en-US" dirty="0"/>
+          </a:p>
+        </p:txBody>
+      </p:sp>
+    </p:spTree>
+    <p:extLst>
+      <p:ext uri="{BB962C8B-B14F-4D97-AF65-F5344CB8AC3E}">
+        <p14:creationId xmlns:p14="http://schemas.microsoft.com/office/powerpoint/2010/main" val="1737834007"/>
+      </p:ext>
+    </p:extLst>
+  </p:cSld>
+  <p:clrMapOvr>
+    <a:masterClrMapping/>
+  </p:clrMapOvr>
+</p:sld>
+</file>
+
+<file path=ppt/slides/slide15.xml><?xml version="1.0" encoding="utf-8"?>
+<p:sld xmlns:a="http://schemas.openxmlformats.org/drawingml/2006/main" xmlns:r="http://schemas.openxmlformats.org/officeDocument/2006/relationships" xmlns:p="http://schemas.openxmlformats.org/presentationml/2006/main">
+  <p:cSld>
+    <p:spTree>
+      <p:nvGrpSpPr>
+        <p:cNvPr id="1" name=""/>
+        <p:cNvGrpSpPr/>
+        <p:nvPr/>
+      </p:nvGrpSpPr>
+      <p:grpSpPr>
+        <a:xfrm>
+          <a:off x="0" y="0"/>
+          <a:ext cx="0" cy="0"/>
+          <a:chOff x="0" y="0"/>
+          <a:chExt cx="0" cy="0"/>
+        </a:xfrm>
+      </p:grpSpPr>
+      <p:sp>
+        <p:nvSpPr>
+          <p:cNvPr id="2" name="Title 1">
+            <a:extLst>
+              <a:ext uri="{FF2B5EF4-FFF2-40B4-BE49-F238E27FC236}">
                 <a16:creationId xmlns:a16="http://schemas.microsoft.com/office/drawing/2014/main" id="{4E696494-564D-4C2E-8261-9CA41776DB58}"/>
               </a:ext>
             </a:extLst>
@@ -4380,8 +5095,33 @@
           </a:p>
           <a:p>
             <a:r>
+              <a:rPr lang="en-US" sz="1400" dirty="0">
+                <a:latin typeface="Arial" panose="020B0604020202020204" pitchFamily="34" charset="0"/>
+              </a:rPr>
+              <a:t>[2] J. M. Vincent, “Buying a car from a private seller,” U.S. News &amp; World Report, 2020. [Online]. Available: </a:t>
+            </a:r>
+            <a:r>
+              <a:rPr lang="en-US" sz="1400" dirty="0">
+                <a:latin typeface="Arial" panose="020B0604020202020204" pitchFamily="34" charset="0"/>
+                <a:hlinkClick r:id="rId3"/>
+              </a:rPr>
+              <a:t>https://cars.usnews.com/cars-trucks/buying-a-car-from-a-private-seller-</a:t>
+            </a:r>
+            <a:r>
+              <a:rPr lang="en-US" sz="1400" dirty="0">
+                <a:latin typeface="Arial" panose="020B0604020202020204" pitchFamily="34" charset="0"/>
+              </a:rPr>
+              <a:t> </a:t>
+            </a:r>
+            <a:endParaRPr lang="en-US" sz="1400" dirty="0">
+              <a:effectLst/>
+              <a:latin typeface="Arial" panose="020B0604020202020204" pitchFamily="34" charset="0"/>
+            </a:endParaRPr>
+          </a:p>
+          <a:p>
+            <a:r>
               <a:rPr lang="en-US" sz="1400" dirty="0"/>
-              <a:t>[2] </a:t>
+              <a:t>[3] </a:t>
             </a:r>
             <a:r>
               <a:rPr lang="en-US" sz="1400" dirty="0">
@@ -4422,7 +5162,7 @@
               <a:rPr lang="en-US" sz="1400" dirty="0">
                 <a:effectLst/>
                 <a:latin typeface="Arial" panose="020B0604020202020204" pitchFamily="34" charset="0"/>
-                <a:hlinkClick r:id="rId3"/>
+                <a:hlinkClick r:id="rId4"/>
               </a:rPr>
               <a:t>https://cs229.stanford.edu/proj2019aut/data/assignment_308832_raw/26612934.pdf</a:t>
             </a:r>
@@ -4439,7 +5179,7 @@
               <a:rPr lang="en-US" sz="1400" dirty="0">
                 <a:latin typeface="Arial" panose="020B0604020202020204" pitchFamily="34" charset="0"/>
               </a:rPr>
-              <a:t>[3] </a:t>
+              <a:t>[4] </a:t>
             </a:r>
             <a:r>
               <a:rPr lang="en-US" sz="1400" dirty="0">
@@ -4466,7 +5206,7 @@
               <a:rPr lang="en-US" sz="1400" dirty="0">
                 <a:effectLst/>
                 <a:latin typeface="Arial" panose="020B0604020202020204" pitchFamily="34" charset="0"/>
-                <a:hlinkClick r:id="rId4"/>
+                <a:hlinkClick r:id="rId5"/>
               </a:rPr>
               <a:t>https://www.kaggle.com/tunguz/used-car-auction-prices</a:t>
             </a:r>
@@ -4735,7 +5475,7 @@
           <a:p>
             <a:r>
               <a:rPr lang="en-US" dirty="0"/>
-              <a:t>In the past, a consumer, car salesmen, or private car seller would have to manually search through other car listings and (with their bias included), determine whether the price listed was accurate. This leads to inaccurate and time-consuming results.</a:t>
+              <a:t>In the past, a consumer, car salesman, or private car seller would have to manually search through other car listings and (with their bias included), determine whether the price listed was accurate. This leads to inaccurate and time-consuming results.</a:t>
             </a:r>
           </a:p>
           <a:p>
@@ -4799,7 +5539,7 @@
           <a:p>
             <a:r>
               <a:rPr lang="en-US" dirty="0"/>
-              <a:t>Project Description and Details</a:t>
+              <a:t>Project Description</a:t>
             </a:r>
           </a:p>
         </p:txBody>
@@ -4829,87 +5569,34 @@
           <a:p>
             <a:r>
               <a:rPr lang="en-US" dirty="0"/>
-              <a:t>This project is based off </a:t>
-            </a:r>
-            <a:r>
-              <a:rPr lang="en-US" i="1" dirty="0"/>
-              <a:t>CS 229 Project Report: Predicting Used Car Prices</a:t>
-            </a:r>
-            <a:r>
-              <a:rPr lang="en-US" dirty="0"/>
-              <a:t> by </a:t>
-            </a:r>
-            <a:r>
-              <a:rPr lang="en-US" dirty="0" err="1"/>
-              <a:t>Kshitij</a:t>
-            </a:r>
-            <a:r>
-              <a:rPr lang="en-US" dirty="0"/>
-              <a:t> </a:t>
-            </a:r>
-            <a:r>
-              <a:rPr lang="en-US" dirty="0" err="1"/>
-              <a:t>Kumbar</a:t>
-            </a:r>
-            <a:r>
-              <a:rPr lang="en-US" dirty="0"/>
-              <a:t>, Pranav </a:t>
-            </a:r>
-            <a:r>
-              <a:rPr lang="en-US" dirty="0" err="1"/>
-              <a:t>Gadre</a:t>
-            </a:r>
-            <a:r>
-              <a:rPr lang="en-US" dirty="0"/>
-              <a:t>, and Varun Naya [2]. </a:t>
-            </a:r>
-            <a:r>
-              <a:rPr lang="en-US" dirty="0">
-                <a:highlight>
-                  <a:srgbClr val="FFFF00"/>
-                </a:highlight>
-              </a:rPr>
-              <a:t>MORE INFO ABOUT WHY THE BASELINE IS BAD</a:t>
-            </a:r>
-          </a:p>
-          <a:p>
-            <a:r>
-              <a:rPr lang="en-US" dirty="0"/>
-              <a:t>In this project, I simply use a Support Vector Machine (SVM) and Multiple Linear Regression.</a:t>
-            </a:r>
-          </a:p>
-          <a:p>
-            <a:r>
-              <a:rPr lang="en-US" dirty="0"/>
-              <a:t>The dataset for this project comes from Kaggle and includes 560,000 car listings [3].</a:t>
-            </a:r>
-          </a:p>
-          <a:p>
-            <a:r>
-              <a:rPr lang="en-US" dirty="0"/>
-              <a:t>This project runs the dataset through each model a single time and returns the R</a:t>
-            </a:r>
-            <a:r>
-              <a:rPr lang="en-US" baseline="30000" dirty="0"/>
-              <a:t>2</a:t>
-            </a:r>
-            <a:r>
-              <a:rPr lang="en-US" dirty="0"/>
-              <a:t> Accuracy, the Mean Squared Error (MSE), the Root Mean Squared Error (RMSE), and the time it took to train the model.</a:t>
-            </a:r>
-          </a:p>
-          <a:p>
-            <a:r>
-              <a:rPr lang="en-US" dirty="0"/>
-              <a:t>My initial models showed great success, with both taking less than a minute to train and having an R</a:t>
-            </a:r>
-            <a:r>
-              <a:rPr lang="en-US" baseline="30000" dirty="0"/>
-              <a:t>2</a:t>
-            </a:r>
-            <a:r>
-              <a:rPr lang="en-US" dirty="0"/>
-              <a:t> accuracy of over 90%.</a:t>
+              <a:t>This project’s intent was to create a model that allowed any user to quickly determine an accurate price for a used car based on the car’s features.</a:t>
+            </a:r>
+          </a:p>
+          <a:p>
+            <a:r>
+              <a:rPr lang="en-US" dirty="0"/>
+              <a:t>This is useful for three parties: consumers, car salesmen, and private car sellers.</a:t>
+            </a:r>
+          </a:p>
+          <a:p>
+            <a:pPr lvl="1"/>
+            <a:r>
+              <a:rPr lang="en-US" dirty="0"/>
+              <a:t>Consumers can purchase a car without the manual searching, saving time and money.</a:t>
+            </a:r>
+          </a:p>
+          <a:p>
+            <a:pPr lvl="1"/>
+            <a:r>
+              <a:rPr lang="en-US" dirty="0"/>
+              <a:t>Car salesmen can determine a price where they can sell their car with a high enough margin for profit, but a low enough price to attract consumers.</a:t>
+            </a:r>
+          </a:p>
+          <a:p>
+            <a:pPr lvl="1"/>
+            <a:r>
+              <a:rPr lang="en-US" dirty="0"/>
+              <a:t>Private car sellers often have an overinflated sense of how much their car is worth [2]. This model would allow those users to see a more accurate price of their car and become more competitive on the market.</a:t>
             </a:r>
           </a:p>
         </p:txBody>
@@ -4928,6 +5615,296 @@
 </file>
 
 <file path=ppt/slides/slide5.xml><?xml version="1.0" encoding="utf-8"?>
+<p:sld xmlns:a="http://schemas.openxmlformats.org/drawingml/2006/main" xmlns:r="http://schemas.openxmlformats.org/officeDocument/2006/relationships" xmlns:p="http://schemas.openxmlformats.org/presentationml/2006/main">
+  <p:cSld>
+    <p:spTree>
+      <p:nvGrpSpPr>
+        <p:cNvPr id="1" name=""/>
+        <p:cNvGrpSpPr/>
+        <p:nvPr/>
+      </p:nvGrpSpPr>
+      <p:grpSpPr>
+        <a:xfrm>
+          <a:off x="0" y="0"/>
+          <a:ext cx="0" cy="0"/>
+          <a:chOff x="0" y="0"/>
+          <a:chExt cx="0" cy="0"/>
+        </a:xfrm>
+      </p:grpSpPr>
+      <p:sp>
+        <p:nvSpPr>
+          <p:cNvPr id="2" name="Title 1">
+            <a:extLst>
+              <a:ext uri="{FF2B5EF4-FFF2-40B4-BE49-F238E27FC236}">
+                <a16:creationId xmlns:a16="http://schemas.microsoft.com/office/drawing/2014/main" id="{091BF7EB-5102-401C-8340-4AF9BAB27ED1}"/>
+              </a:ext>
+            </a:extLst>
+          </p:cNvPr>
+          <p:cNvSpPr>
+            <a:spLocks noGrp="1"/>
+          </p:cNvSpPr>
+          <p:nvPr>
+            <p:ph type="title"/>
+          </p:nvPr>
+        </p:nvSpPr>
+        <p:spPr/>
+        <p:txBody>
+          <a:bodyPr/>
+          <a:lstStyle/>
+          <a:p>
+            <a:r>
+              <a:rPr lang="en-US" dirty="0"/>
+              <a:t>Project Description (cont.)</a:t>
+            </a:r>
+          </a:p>
+        </p:txBody>
+      </p:sp>
+      <p:sp>
+        <p:nvSpPr>
+          <p:cNvPr id="3" name="Content Placeholder 2">
+            <a:extLst>
+              <a:ext uri="{FF2B5EF4-FFF2-40B4-BE49-F238E27FC236}">
+                <a16:creationId xmlns:a16="http://schemas.microsoft.com/office/drawing/2014/main" id="{37CFF424-F6D0-4393-BF36-F2606067DBCF}"/>
+              </a:ext>
+            </a:extLst>
+          </p:cNvPr>
+          <p:cNvSpPr>
+            <a:spLocks noGrp="1"/>
+          </p:cNvSpPr>
+          <p:nvPr>
+            <p:ph idx="1"/>
+          </p:nvPr>
+        </p:nvSpPr>
+        <p:spPr/>
+        <p:txBody>
+          <a:bodyPr>
+            <a:normAutofit/>
+          </a:bodyPr>
+          <a:lstStyle/>
+          <a:p>
+            <a:r>
+              <a:rPr lang="en-US" dirty="0"/>
+              <a:t>This project is based off </a:t>
+            </a:r>
+            <a:r>
+              <a:rPr lang="en-US" i="1" dirty="0"/>
+              <a:t>CS 229 Project Report: Predicting Used Car Prices</a:t>
+            </a:r>
+            <a:r>
+              <a:rPr lang="en-US" dirty="0"/>
+              <a:t> by </a:t>
+            </a:r>
+            <a:r>
+              <a:rPr lang="en-US" dirty="0" err="1"/>
+              <a:t>Kshitij</a:t>
+            </a:r>
+            <a:r>
+              <a:rPr lang="en-US" dirty="0"/>
+              <a:t> </a:t>
+            </a:r>
+            <a:r>
+              <a:rPr lang="en-US" dirty="0" err="1"/>
+              <a:t>Kumbar</a:t>
+            </a:r>
+            <a:r>
+              <a:rPr lang="en-US" dirty="0"/>
+              <a:t>, Pranav </a:t>
+            </a:r>
+            <a:r>
+              <a:rPr lang="en-US" dirty="0" err="1"/>
+              <a:t>Gadre</a:t>
+            </a:r>
+            <a:r>
+              <a:rPr lang="en-US" dirty="0"/>
+              <a:t>, and Varun Naya [3].</a:t>
+            </a:r>
+          </a:p>
+          <a:p>
+            <a:r>
+              <a:rPr lang="en-US" dirty="0"/>
+              <a:t>While the dataset for the baseline is huge, 1.2 million listings, the number of features is very minimal, only six. After preprocessing, only 5 of those features are used for their models. This was much too small for an accurate result.</a:t>
+            </a:r>
+          </a:p>
+          <a:p>
+            <a:r>
+              <a:rPr lang="en-US" dirty="0"/>
+              <a:t>Multiple models were used in the baseline: Linear Regression, Random Forest, Gradient Boost, </a:t>
+            </a:r>
+            <a:r>
+              <a:rPr lang="en-US" dirty="0" err="1"/>
+              <a:t>XGBoost</a:t>
+            </a:r>
+            <a:r>
+              <a:rPr lang="en-US" dirty="0"/>
+              <a:t>, </a:t>
+            </a:r>
+            <a:r>
+              <a:rPr lang="en-US" dirty="0" err="1"/>
+              <a:t>LightGBM</a:t>
+            </a:r>
+            <a:r>
+              <a:rPr lang="en-US" dirty="0"/>
+              <a:t>, </a:t>
+            </a:r>
+            <a:r>
+              <a:rPr lang="en-US" dirty="0" err="1"/>
+              <a:t>KMeans</a:t>
+            </a:r>
+            <a:r>
+              <a:rPr lang="en-US" dirty="0"/>
+              <a:t> + Linear Regression, and a Neural Network.</a:t>
+            </a:r>
+          </a:p>
+          <a:p>
+            <a:r>
+              <a:rPr lang="en-US" dirty="0"/>
+              <a:t>Unfortunately, all of these models took a very long time to train, and produced accuracy ratings that were below 90%.</a:t>
+            </a:r>
+          </a:p>
+        </p:txBody>
+      </p:sp>
+    </p:spTree>
+    <p:extLst>
+      <p:ext uri="{BB962C8B-B14F-4D97-AF65-F5344CB8AC3E}">
+        <p14:creationId xmlns:p14="http://schemas.microsoft.com/office/powerpoint/2010/main" val="4050566743"/>
+      </p:ext>
+    </p:extLst>
+  </p:cSld>
+  <p:clrMapOvr>
+    <a:masterClrMapping/>
+  </p:clrMapOvr>
+</p:sld>
+</file>
+
+<file path=ppt/slides/slide6.xml><?xml version="1.0" encoding="utf-8"?>
+<p:sld xmlns:a="http://schemas.openxmlformats.org/drawingml/2006/main" xmlns:r="http://schemas.openxmlformats.org/officeDocument/2006/relationships" xmlns:p="http://schemas.openxmlformats.org/presentationml/2006/main">
+  <p:cSld>
+    <p:spTree>
+      <p:nvGrpSpPr>
+        <p:cNvPr id="1" name=""/>
+        <p:cNvGrpSpPr/>
+        <p:nvPr/>
+      </p:nvGrpSpPr>
+      <p:grpSpPr>
+        <a:xfrm>
+          <a:off x="0" y="0"/>
+          <a:ext cx="0" cy="0"/>
+          <a:chOff x="0" y="0"/>
+          <a:chExt cx="0" cy="0"/>
+        </a:xfrm>
+      </p:grpSpPr>
+      <p:sp>
+        <p:nvSpPr>
+          <p:cNvPr id="2" name="Title 1">
+            <a:extLst>
+              <a:ext uri="{FF2B5EF4-FFF2-40B4-BE49-F238E27FC236}">
+                <a16:creationId xmlns:a16="http://schemas.microsoft.com/office/drawing/2014/main" id="{091BF7EB-5102-401C-8340-4AF9BAB27ED1}"/>
+              </a:ext>
+            </a:extLst>
+          </p:cNvPr>
+          <p:cNvSpPr>
+            <a:spLocks noGrp="1"/>
+          </p:cNvSpPr>
+          <p:nvPr>
+            <p:ph type="title"/>
+          </p:nvPr>
+        </p:nvSpPr>
+        <p:spPr/>
+        <p:txBody>
+          <a:bodyPr/>
+          <a:lstStyle/>
+          <a:p>
+            <a:r>
+              <a:rPr lang="en-US" dirty="0"/>
+              <a:t>Project Details</a:t>
+            </a:r>
+          </a:p>
+        </p:txBody>
+      </p:sp>
+      <p:sp>
+        <p:nvSpPr>
+          <p:cNvPr id="3" name="Content Placeholder 2">
+            <a:extLst>
+              <a:ext uri="{FF2B5EF4-FFF2-40B4-BE49-F238E27FC236}">
+                <a16:creationId xmlns:a16="http://schemas.microsoft.com/office/drawing/2014/main" id="{37CFF424-F6D0-4393-BF36-F2606067DBCF}"/>
+              </a:ext>
+            </a:extLst>
+          </p:cNvPr>
+          <p:cNvSpPr>
+            <a:spLocks noGrp="1"/>
+          </p:cNvSpPr>
+          <p:nvPr>
+            <p:ph idx="1"/>
+          </p:nvPr>
+        </p:nvSpPr>
+        <p:spPr/>
+        <p:txBody>
+          <a:bodyPr>
+            <a:normAutofit lnSpcReduction="10000"/>
+          </a:bodyPr>
+          <a:lstStyle/>
+          <a:p>
+            <a:r>
+              <a:rPr lang="en-US" dirty="0"/>
+              <a:t>This project was partially built on the baseline with the intent of improving the training time and the accuracy rating.</a:t>
+            </a:r>
+          </a:p>
+          <a:p>
+            <a:r>
+              <a:rPr lang="en-US" dirty="0"/>
+              <a:t>Therefore, this project simply uses two models: a Support Vector Machine (SVM) and Multiple Linear Regression.</a:t>
+            </a:r>
+          </a:p>
+          <a:p>
+            <a:r>
+              <a:rPr lang="en-US" dirty="0"/>
+              <a:t>The dataset for this project comes from Kaggle and includes 560,000 car listings [4].</a:t>
+            </a:r>
+          </a:p>
+          <a:p>
+            <a:r>
+              <a:rPr lang="en-US" dirty="0"/>
+              <a:t>This project runs the dataset through each model a single time and returns the R</a:t>
+            </a:r>
+            <a:r>
+              <a:rPr lang="en-US" baseline="30000" dirty="0"/>
+              <a:t>2</a:t>
+            </a:r>
+            <a:r>
+              <a:rPr lang="en-US" dirty="0"/>
+              <a:t> Accuracy, the Mean Squared Error (MSE), the Root Mean Squared Error (RMSE), and the time it took to train the model.</a:t>
+            </a:r>
+          </a:p>
+          <a:p>
+            <a:r>
+              <a:rPr lang="en-US" dirty="0"/>
+              <a:t>My initial models showed great success, with both taking less than a minute to train and having an R</a:t>
+            </a:r>
+            <a:r>
+              <a:rPr lang="en-US" baseline="30000" dirty="0"/>
+              <a:t>2</a:t>
+            </a:r>
+            <a:r>
+              <a:rPr lang="en-US" dirty="0"/>
+              <a:t> accuracy of over 90%.</a:t>
+            </a:r>
+          </a:p>
+        </p:txBody>
+      </p:sp>
+    </p:spTree>
+    <p:extLst>
+      <p:ext uri="{BB962C8B-B14F-4D97-AF65-F5344CB8AC3E}">
+        <p14:creationId xmlns:p14="http://schemas.microsoft.com/office/powerpoint/2010/main" val="717041101"/>
+      </p:ext>
+    </p:extLst>
+  </p:cSld>
+  <p:clrMapOvr>
+    <a:masterClrMapping/>
+  </p:clrMapOvr>
+</p:sld>
+</file>
+
+<file path=ppt/slides/slide7.xml><?xml version="1.0" encoding="utf-8"?>
 <p:sld xmlns:a="http://schemas.openxmlformats.org/drawingml/2006/main" xmlns:r="http://schemas.openxmlformats.org/officeDocument/2006/relationships" xmlns:p="http://schemas.openxmlformats.org/presentationml/2006/main">
   <p:cSld>
     <p:spTree>
@@ -5074,7 +6051,7 @@
 </p:sld>
 </file>
 
-<file path=ppt/slides/slide6.xml><?xml version="1.0" encoding="utf-8"?>
+<file path=ppt/slides/slide8.xml><?xml version="1.0" encoding="utf-8"?>
 <p:sld xmlns:a="http://schemas.openxmlformats.org/drawingml/2006/main" xmlns:r="http://schemas.openxmlformats.org/officeDocument/2006/relationships" xmlns:p="http://schemas.openxmlformats.org/presentationml/2006/main">
   <p:cSld>
     <p:spTree>
@@ -5219,237 +6196,6 @@
 </p:sld>
 </file>
 
-<file path=ppt/slides/slide7.xml><?xml version="1.0" encoding="utf-8"?>
-<p:sld xmlns:a="http://schemas.openxmlformats.org/drawingml/2006/main" xmlns:r="http://schemas.openxmlformats.org/officeDocument/2006/relationships" xmlns:p="http://schemas.openxmlformats.org/presentationml/2006/main">
-  <p:cSld>
-    <p:spTree>
-      <p:nvGrpSpPr>
-        <p:cNvPr id="1" name=""/>
-        <p:cNvGrpSpPr/>
-        <p:nvPr/>
-      </p:nvGrpSpPr>
-      <p:grpSpPr>
-        <a:xfrm>
-          <a:off x="0" y="0"/>
-          <a:ext cx="0" cy="0"/>
-          <a:chOff x="0" y="0"/>
-          <a:chExt cx="0" cy="0"/>
-        </a:xfrm>
-      </p:grpSpPr>
-      <p:sp>
-        <p:nvSpPr>
-          <p:cNvPr id="2" name="Title 1">
-            <a:extLst>
-              <a:ext uri="{FF2B5EF4-FFF2-40B4-BE49-F238E27FC236}">
-                <a16:creationId xmlns:a16="http://schemas.microsoft.com/office/drawing/2014/main" id="{472D1A18-9188-4AF9-9797-2B64492321C4}"/>
-              </a:ext>
-            </a:extLst>
-          </p:cNvPr>
-          <p:cNvSpPr>
-            <a:spLocks noGrp="1"/>
-          </p:cNvSpPr>
-          <p:nvPr>
-            <p:ph type="title"/>
-          </p:nvPr>
-        </p:nvSpPr>
-        <p:spPr/>
-        <p:txBody>
-          <a:bodyPr>
-            <a:normAutofit/>
-          </a:bodyPr>
-          <a:lstStyle/>
-          <a:p>
-            <a:r>
-              <a:rPr lang="en-US" sz="4400" dirty="0"/>
-              <a:t>Performed Tests – Linear Regression</a:t>
-            </a:r>
-          </a:p>
-        </p:txBody>
-      </p:sp>
-      <p:sp>
-        <p:nvSpPr>
-          <p:cNvPr id="3" name="Content Placeholder 2">
-            <a:extLst>
-              <a:ext uri="{FF2B5EF4-FFF2-40B4-BE49-F238E27FC236}">
-                <a16:creationId xmlns:a16="http://schemas.microsoft.com/office/drawing/2014/main" id="{E26CA3E8-D20B-4B11-BE12-5621D0E15FF7}"/>
-              </a:ext>
-            </a:extLst>
-          </p:cNvPr>
-          <p:cNvSpPr>
-            <a:spLocks noGrp="1"/>
-          </p:cNvSpPr>
-          <p:nvPr>
-            <p:ph idx="1"/>
-          </p:nvPr>
-        </p:nvSpPr>
-        <p:spPr/>
-        <p:txBody>
-          <a:bodyPr/>
-          <a:lstStyle/>
-          <a:p>
-            <a:r>
-              <a:rPr lang="en-US" dirty="0"/>
-              <a:t>The first model I chose, due to the high linearity of the data, was a Multiple Linear Regression model.</a:t>
-            </a:r>
-          </a:p>
-          <a:p>
-            <a:r>
-              <a:rPr lang="en-US" dirty="0"/>
-              <a:t>Using 4 continuous features and 8 categorical features, the Linear Regression model ran with a 90% training and 10% testing split on a single epoch.</a:t>
-            </a:r>
-          </a:p>
-          <a:p>
-            <a:r>
-              <a:rPr lang="en-US" dirty="0"/>
-              <a:t>The accuracy of the model is measured using R</a:t>
-            </a:r>
-            <a:r>
-              <a:rPr lang="en-US" baseline="30000" dirty="0"/>
-              <a:t>2</a:t>
-            </a:r>
-            <a:r>
-              <a:rPr lang="en-US" dirty="0"/>
-              <a:t> accuracy, MSE, RMSE, and training time.</a:t>
-            </a:r>
-          </a:p>
-          <a:p>
-            <a:endParaRPr lang="en-US" dirty="0"/>
-          </a:p>
-        </p:txBody>
-      </p:sp>
-    </p:spTree>
-    <p:extLst>
-      <p:ext uri="{BB962C8B-B14F-4D97-AF65-F5344CB8AC3E}">
-        <p14:creationId xmlns:p14="http://schemas.microsoft.com/office/powerpoint/2010/main" val="3744252251"/>
-      </p:ext>
-    </p:extLst>
-  </p:cSld>
-  <p:clrMapOvr>
-    <a:masterClrMapping/>
-  </p:clrMapOvr>
-</p:sld>
-</file>
-
-<file path=ppt/slides/slide8.xml><?xml version="1.0" encoding="utf-8"?>
-<p:sld xmlns:a="http://schemas.openxmlformats.org/drawingml/2006/main" xmlns:r="http://schemas.openxmlformats.org/officeDocument/2006/relationships" xmlns:p="http://schemas.openxmlformats.org/presentationml/2006/main">
-  <p:cSld>
-    <p:spTree>
-      <p:nvGrpSpPr>
-        <p:cNvPr id="1" name=""/>
-        <p:cNvGrpSpPr/>
-        <p:nvPr/>
-      </p:nvGrpSpPr>
-      <p:grpSpPr>
-        <a:xfrm>
-          <a:off x="0" y="0"/>
-          <a:ext cx="0" cy="0"/>
-          <a:chOff x="0" y="0"/>
-          <a:chExt cx="0" cy="0"/>
-        </a:xfrm>
-      </p:grpSpPr>
-      <p:sp>
-        <p:nvSpPr>
-          <p:cNvPr id="2" name="Title 1">
-            <a:extLst>
-              <a:ext uri="{FF2B5EF4-FFF2-40B4-BE49-F238E27FC236}">
-                <a16:creationId xmlns:a16="http://schemas.microsoft.com/office/drawing/2014/main" id="{472D1A18-9188-4AF9-9797-2B64492321C4}"/>
-              </a:ext>
-            </a:extLst>
-          </p:cNvPr>
-          <p:cNvSpPr>
-            <a:spLocks noGrp="1"/>
-          </p:cNvSpPr>
-          <p:nvPr>
-            <p:ph type="title"/>
-          </p:nvPr>
-        </p:nvSpPr>
-        <p:spPr/>
-        <p:txBody>
-          <a:bodyPr>
-            <a:normAutofit/>
-          </a:bodyPr>
-          <a:lstStyle/>
-          <a:p>
-            <a:r>
-              <a:rPr lang="en-US" dirty="0"/>
-              <a:t>Performed Tests – SVM</a:t>
-            </a:r>
-          </a:p>
-        </p:txBody>
-      </p:sp>
-      <p:sp>
-        <p:nvSpPr>
-          <p:cNvPr id="3" name="Content Placeholder 2">
-            <a:extLst>
-              <a:ext uri="{FF2B5EF4-FFF2-40B4-BE49-F238E27FC236}">
-                <a16:creationId xmlns:a16="http://schemas.microsoft.com/office/drawing/2014/main" id="{E26CA3E8-D20B-4B11-BE12-5621D0E15FF7}"/>
-              </a:ext>
-            </a:extLst>
-          </p:cNvPr>
-          <p:cNvSpPr>
-            <a:spLocks noGrp="1"/>
-          </p:cNvSpPr>
-          <p:nvPr>
-            <p:ph idx="1"/>
-          </p:nvPr>
-        </p:nvSpPr>
-        <p:spPr/>
-        <p:txBody>
-          <a:bodyPr/>
-          <a:lstStyle/>
-          <a:p>
-            <a:r>
-              <a:rPr lang="en-US" dirty="0"/>
-              <a:t>The second model I chose, due to its heavy use in machine learning, was a linear SVM model.</a:t>
-            </a:r>
-          </a:p>
-          <a:p>
-            <a:r>
-              <a:rPr lang="en-US" dirty="0"/>
-              <a:t>This model also used 4 continuous features and 8 categorical features like the Linear Regression model. It ran with a 90% training and 10% testing split.</a:t>
-            </a:r>
-          </a:p>
-          <a:p>
-            <a:r>
-              <a:rPr lang="en-US" dirty="0"/>
-              <a:t>The SVM model used a linear kernel to emulate linear regression, the tolerance value for the SVM was set to be .075.</a:t>
-            </a:r>
-          </a:p>
-          <a:p>
-            <a:r>
-              <a:rPr lang="en-US" dirty="0"/>
-              <a:t>Finally, before any data was inputted to the SVM, it had to be standardized to be between -1 and 1.</a:t>
-            </a:r>
-          </a:p>
-          <a:p>
-            <a:r>
-              <a:rPr lang="en-US" dirty="0"/>
-              <a:t>The accuracy of the model is measured using R</a:t>
-            </a:r>
-            <a:r>
-              <a:rPr lang="en-US" baseline="30000" dirty="0"/>
-              <a:t>2</a:t>
-            </a:r>
-            <a:r>
-              <a:rPr lang="en-US" dirty="0"/>
-              <a:t> accuracy, MSE, RMSE, and training time.</a:t>
-            </a:r>
-          </a:p>
-        </p:txBody>
-      </p:sp>
-    </p:spTree>
-    <p:extLst>
-      <p:ext uri="{BB962C8B-B14F-4D97-AF65-F5344CB8AC3E}">
-        <p14:creationId xmlns:p14="http://schemas.microsoft.com/office/powerpoint/2010/main" val="997546534"/>
-      </p:ext>
-    </p:extLst>
-  </p:cSld>
-  <p:clrMapOvr>
-    <a:masterClrMapping/>
-  </p:clrMapOvr>
-</p:sld>
-</file>
-
 <file path=ppt/slides/slide9.xml><?xml version="1.0" encoding="utf-8"?>
 <p:sld xmlns:a="http://schemas.openxmlformats.org/drawingml/2006/main" xmlns:r="http://schemas.openxmlformats.org/officeDocument/2006/relationships" xmlns:p="http://schemas.openxmlformats.org/presentationml/2006/main">
   <p:cSld>
@@ -5472,7 +6218,7 @@
           <p:cNvPr id="2" name="Title 1">
             <a:extLst>
               <a:ext uri="{FF2B5EF4-FFF2-40B4-BE49-F238E27FC236}">
-                <a16:creationId xmlns:a16="http://schemas.microsoft.com/office/drawing/2014/main" id="{DBCA3876-44B7-49CA-9FEB-927574AFCB44}"/>
+                <a16:creationId xmlns:a16="http://schemas.microsoft.com/office/drawing/2014/main" id="{472D1A18-9188-4AF9-9797-2B64492321C4}"/>
               </a:ext>
             </a:extLst>
           </p:cNvPr>
@@ -5485,36 +6231,64 @@
         </p:nvSpPr>
         <p:spPr/>
         <p:txBody>
+          <a:bodyPr>
+            <a:normAutofit/>
+          </a:bodyPr>
+          <a:lstStyle/>
+          <a:p>
+            <a:r>
+              <a:rPr lang="en-US" sz="4400" dirty="0"/>
+              <a:t>Performed Tests – Linear Regression</a:t>
+            </a:r>
+          </a:p>
+        </p:txBody>
+      </p:sp>
+      <p:sp>
+        <p:nvSpPr>
+          <p:cNvPr id="3" name="Content Placeholder 2">
+            <a:extLst>
+              <a:ext uri="{FF2B5EF4-FFF2-40B4-BE49-F238E27FC236}">
+                <a16:creationId xmlns:a16="http://schemas.microsoft.com/office/drawing/2014/main" id="{E26CA3E8-D20B-4B11-BE12-5621D0E15FF7}"/>
+              </a:ext>
+            </a:extLst>
+          </p:cNvPr>
+          <p:cNvSpPr>
+            <a:spLocks noGrp="1"/>
+          </p:cNvSpPr>
+          <p:nvPr>
+            <p:ph idx="1"/>
+          </p:nvPr>
+        </p:nvSpPr>
+        <p:spPr/>
+        <p:txBody>
           <a:bodyPr/>
           <a:lstStyle/>
           <a:p>
             <a:r>
               <a:rPr lang="en-US" dirty="0"/>
-              <a:t>Results</a:t>
-            </a:r>
-          </a:p>
-        </p:txBody>
-      </p:sp>
-      <p:sp>
-        <p:nvSpPr>
-          <p:cNvPr id="4" name="Content Placeholder 3">
-            <a:extLst>
-              <a:ext uri="{FF2B5EF4-FFF2-40B4-BE49-F238E27FC236}">
-                <a16:creationId xmlns:a16="http://schemas.microsoft.com/office/drawing/2014/main" id="{DBB6BB24-F156-4E77-8401-53B6F2DF1989}"/>
-              </a:ext>
-            </a:extLst>
-          </p:cNvPr>
-          <p:cNvSpPr>
-            <a:spLocks noGrp="1"/>
-          </p:cNvSpPr>
-          <p:nvPr>
-            <p:ph idx="1"/>
-          </p:nvPr>
-        </p:nvSpPr>
-        <p:spPr/>
-        <p:txBody>
-          <a:bodyPr/>
-          <a:lstStyle/>
+              <a:t>The first model I chose, due to the high linearity of the data, was a Multiple Linear Regression model.</a:t>
+            </a:r>
+          </a:p>
+          <a:p>
+            <a:r>
+              <a:rPr lang="en-US" dirty="0"/>
+              <a:t>Using 4 continuous features and 8 categorical features, the Linear Regression model ran with a 90% training and 10% testing split on a single epoch.</a:t>
+            </a:r>
+          </a:p>
+          <a:p>
+            <a:r>
+              <a:rPr lang="en-US" dirty="0"/>
+              <a:t>The accuracy of the model is measured using R</a:t>
+            </a:r>
+            <a:r>
+              <a:rPr lang="en-US" baseline="30000" dirty="0"/>
+              <a:t>2</a:t>
+            </a:r>
+            <a:r>
+              <a:rPr lang="en-US" dirty="0"/>
+              <a:t> accuracy, MSE, RMSE, and training time.</a:t>
+            </a:r>
+          </a:p>
           <a:p>
             <a:endParaRPr lang="en-US" dirty="0"/>
           </a:p>
@@ -5523,7 +6297,7 @@
     </p:spTree>
     <p:extLst>
       <p:ext uri="{BB962C8B-B14F-4D97-AF65-F5344CB8AC3E}">
-        <p14:creationId xmlns:p14="http://schemas.microsoft.com/office/powerpoint/2010/main" val="1808139690"/>
+        <p14:creationId xmlns:p14="http://schemas.microsoft.com/office/powerpoint/2010/main" val="3744252251"/>
       </p:ext>
     </p:extLst>
   </p:cSld>
